--- a/documentation/factsheets/WNTR_tutorials_factsheet.pptx
+++ b/documentation/factsheets/WNTR_tutorials_factsheet.pptx
@@ -2,10 +2,11 @@
 <file path=ppt/presentation.xml><?xml version="1.0" encoding="utf-8"?>
 <p:presentation xmlns:a="http://schemas.openxmlformats.org/drawingml/2006/main" xmlns:r="http://schemas.openxmlformats.org/officeDocument/2006/relationships" xmlns:p="http://schemas.openxmlformats.org/presentationml/2006/main" saveSubsetFonts="1">
   <p:sldMasterIdLst>
-    <p:sldMasterId id="2147483660" r:id="rId2"/>
+    <p:sldMasterId id="2147483660" r:id="rId5"/>
   </p:sldMasterIdLst>
   <p:sldIdLst>
-    <p:sldId id="257" r:id="rId3"/>
+    <p:sldId id="257" r:id="rId6"/>
+    <p:sldId id="258" r:id="rId7"/>
   </p:sldIdLst>
   <p:sldSz cx="7772400" cy="10058400"/>
   <p:notesSz cx="7315200" cy="9601200"/>
@@ -112,6 +113,695 @@
 </p:presentation>
 </file>
 
+<file path=ppt/authors.xml><?xml version="1.0" encoding="utf-8"?>
+<p188:authorLst xmlns:a="http://schemas.openxmlformats.org/drawingml/2006/main" xmlns:r="http://schemas.openxmlformats.org/officeDocument/2006/relationships" xmlns:p188="http://schemas.microsoft.com/office/powerpoint/2018/8/main">
+  <p188:author id="{C68F20BD-5FE6-94EC-7D02-7E480943A96B}" name="Bonney, Kirk Lane" initials="BK" userId="S::klbonne@sandia.gov::7ec7e2e5-322f-4962-a755-75060357d6d4" providerId="AD"/>
+</p188:authorLst>
+</file>
+
+<file path=ppt/revisionInfo.xml><?xml version="1.0" encoding="utf-8"?>
+<p1510:revInfo xmlns:a="http://schemas.openxmlformats.org/drawingml/2006/main" xmlns:r="http://schemas.openxmlformats.org/officeDocument/2006/relationships" xmlns:p1510="http://schemas.microsoft.com/office/powerpoint/2015/10/main">
+  <p1510:revLst>
+    <p1510:client id="{06B9DFC9-FAD2-861C-8234-DB8772BEBC3B}" v="181" dt="2025-03-04T17:58:15.333"/>
+  </p1510:revLst>
+</p1510:revInfo>
+</file>
+
+<file path=ppt/changesInfos/changesInfo1.xml><?xml version="1.0" encoding="utf-8"?>
+<pc:chgInfo xmlns:a="http://schemas.openxmlformats.org/drawingml/2006/main" xmlns:r="http://schemas.openxmlformats.org/officeDocument/2006/relationships" xmlns:ac="http://schemas.microsoft.com/office/drawing/2013/main/command" xmlns:pc="http://schemas.microsoft.com/office/powerpoint/2013/main/command">
+  <pc:docChgLst>
+    <pc:chgData name="Bonney, Kirk Lane" userId="S::klbonne@sandia.gov::7ec7e2e5-322f-4962-a755-75060357d6d4" providerId="AD" clId="Web-{0F7FC24E-523B-509F-DA8F-8E5909E9C43E}"/>
+    <pc:docChg chg="mod modSld">
+      <pc:chgData name="Bonney, Kirk Lane" userId="S::klbonne@sandia.gov::7ec7e2e5-322f-4962-a755-75060357d6d4" providerId="AD" clId="Web-{0F7FC24E-523B-509F-DA8F-8E5909E9C43E}" dt="2024-12-16T19:07:40.169" v="129" actId="20577"/>
+      <pc:docMkLst>
+        <pc:docMk/>
+      </pc:docMkLst>
+      <pc:sldChg chg="addSp delSp modSp modCm">
+        <pc:chgData name="Bonney, Kirk Lane" userId="S::klbonne@sandia.gov::7ec7e2e5-322f-4962-a755-75060357d6d4" providerId="AD" clId="Web-{0F7FC24E-523B-509F-DA8F-8E5909E9C43E}" dt="2024-12-16T19:07:40.169" v="129" actId="20577"/>
+        <pc:sldMkLst>
+          <pc:docMk/>
+          <pc:sldMk cId="561752910" sldId="257"/>
+        </pc:sldMkLst>
+        <pc:spChg chg="del mod">
+          <ac:chgData name="Bonney, Kirk Lane" userId="S::klbonne@sandia.gov::7ec7e2e5-322f-4962-a755-75060357d6d4" providerId="AD" clId="Web-{0F7FC24E-523B-509F-DA8F-8E5909E9C43E}" dt="2024-12-16T18:58:52.521" v="34"/>
+          <ac:spMkLst>
+            <pc:docMk/>
+            <pc:sldMk cId="561752910" sldId="257"/>
+            <ac:spMk id="9" creationId="{8E0EBA4C-51CC-D950-24AC-5ECC4971F0FE}"/>
+          </ac:spMkLst>
+        </pc:spChg>
+        <pc:spChg chg="ord">
+          <ac:chgData name="Bonney, Kirk Lane" userId="S::klbonne@sandia.gov::7ec7e2e5-322f-4962-a755-75060357d6d4" providerId="AD" clId="Web-{0F7FC24E-523B-509F-DA8F-8E5909E9C43E}" dt="2024-12-16T18:58:19.161" v="28"/>
+          <ac:spMkLst>
+            <pc:docMk/>
+            <pc:sldMk cId="561752910" sldId="257"/>
+            <ac:spMk id="20" creationId="{368BDECF-225E-B256-90BA-31EEE73C0C1A}"/>
+          </ac:spMkLst>
+        </pc:spChg>
+        <pc:spChg chg="mod">
+          <ac:chgData name="Bonney, Kirk Lane" userId="S::klbonne@sandia.gov::7ec7e2e5-322f-4962-a755-75060357d6d4" providerId="AD" clId="Web-{0F7FC24E-523B-509F-DA8F-8E5909E9C43E}" dt="2024-12-16T19:07:40.169" v="129" actId="20577"/>
+          <ac:spMkLst>
+            <pc:docMk/>
+            <pc:sldMk cId="561752910" sldId="257"/>
+            <ac:spMk id="39" creationId="{00000000-0000-0000-0000-000000000000}"/>
+          </ac:spMkLst>
+        </pc:spChg>
+        <pc:picChg chg="add mod">
+          <ac:chgData name="Bonney, Kirk Lane" userId="S::klbonne@sandia.gov::7ec7e2e5-322f-4962-a755-75060357d6d4" providerId="AD" clId="Web-{0F7FC24E-523B-509F-DA8F-8E5909E9C43E}" dt="2024-12-16T18:57:00.082" v="14" actId="14100"/>
+          <ac:picMkLst>
+            <pc:docMk/>
+            <pc:sldMk cId="561752910" sldId="257"/>
+            <ac:picMk id="2" creationId="{DA4BF2DE-E86A-C0AD-8EE3-7306FDB39913}"/>
+          </ac:picMkLst>
+        </pc:picChg>
+        <pc:picChg chg="add del mod">
+          <ac:chgData name="Bonney, Kirk Lane" userId="S::klbonne@sandia.gov::7ec7e2e5-322f-4962-a755-75060357d6d4" providerId="AD" clId="Web-{0F7FC24E-523B-509F-DA8F-8E5909E9C43E}" dt="2024-12-16T18:57:51.270" v="16"/>
+          <ac:picMkLst>
+            <pc:docMk/>
+            <pc:sldMk cId="561752910" sldId="257"/>
+            <ac:picMk id="6" creationId="{1B288D9B-CED7-E48A-06F0-81EC27AA0B7D}"/>
+          </ac:picMkLst>
+        </pc:picChg>
+        <pc:picChg chg="add mod ord">
+          <ac:chgData name="Bonney, Kirk Lane" userId="S::klbonne@sandia.gov::7ec7e2e5-322f-4962-a755-75060357d6d4" providerId="AD" clId="Web-{0F7FC24E-523B-509F-DA8F-8E5909E9C43E}" dt="2024-12-16T18:58:22.770" v="30" actId="1076"/>
+          <ac:picMkLst>
+            <pc:docMk/>
+            <pc:sldMk cId="561752910" sldId="257"/>
+            <ac:picMk id="7" creationId="{A6889514-8AA9-6C85-1DAC-9F86F86632F5}"/>
+          </ac:picMkLst>
+        </pc:picChg>
+        <pc:extLst>
+          <p:ext xmlns:p="http://schemas.openxmlformats.org/presentationml/2006/main" uri="{D6D511B9-2390-475A-947B-AFAB55BFBCF1}">
+            <pc226:cmChg xmlns:pc226="http://schemas.microsoft.com/office/powerpoint/2022/06/main/command" chg="mod">
+              <pc226:chgData name="Bonney, Kirk Lane" userId="S::klbonne@sandia.gov::7ec7e2e5-322f-4962-a755-75060357d6d4" providerId="AD" clId="Web-{0F7FC24E-523B-509F-DA8F-8E5909E9C43E}" dt="2024-12-16T19:07:40.169" v="129" actId="20577"/>
+              <pc2:cmMkLst xmlns:pc2="http://schemas.microsoft.com/office/powerpoint/2019/9/main/command">
+                <pc:docMk/>
+                <pc:sldMk cId="561752910" sldId="257"/>
+                <pc2:cmMk id="{F43D29E3-367E-43F1-9887-87ED9A3ED8DF}"/>
+              </pc2:cmMkLst>
+            </pc226:cmChg>
+          </p:ext>
+        </pc:extLst>
+      </pc:sldChg>
+    </pc:docChg>
+  </pc:docChgLst>
+  <pc:docChgLst>
+    <pc:chgData name="Bonney, Kirk Lane" userId="S::klbonne@sandia.gov::7ec7e2e5-322f-4962-a755-75060357d6d4" providerId="AD" clId="Web-{6674323A-034A-B6A8-1275-4BADE74BC708}"/>
+    <pc:docChg chg="modSld">
+      <pc:chgData name="Bonney, Kirk Lane" userId="S::klbonne@sandia.gov::7ec7e2e5-322f-4962-a755-75060357d6d4" providerId="AD" clId="Web-{6674323A-034A-B6A8-1275-4BADE74BC708}" dt="2025-01-27T17:59:05.071" v="1" actId="1076"/>
+      <pc:docMkLst>
+        <pc:docMk/>
+      </pc:docMkLst>
+      <pc:sldChg chg="modSp">
+        <pc:chgData name="Bonney, Kirk Lane" userId="S::klbonne@sandia.gov::7ec7e2e5-322f-4962-a755-75060357d6d4" providerId="AD" clId="Web-{6674323A-034A-B6A8-1275-4BADE74BC708}" dt="2025-01-27T17:59:05.071" v="1" actId="1076"/>
+        <pc:sldMkLst>
+          <pc:docMk/>
+          <pc:sldMk cId="561752910" sldId="257"/>
+        </pc:sldMkLst>
+        <pc:picChg chg="mod">
+          <ac:chgData name="Bonney, Kirk Lane" userId="S::klbonne@sandia.gov::7ec7e2e5-322f-4962-a755-75060357d6d4" providerId="AD" clId="Web-{6674323A-034A-B6A8-1275-4BADE74BC708}" dt="2025-01-27T17:59:05.071" v="1" actId="1076"/>
+          <ac:picMkLst>
+            <pc:docMk/>
+            <pc:sldMk cId="561752910" sldId="257"/>
+            <ac:picMk id="9" creationId="{86BD1CA7-A2B6-6EEA-FD9D-62DA0600F00E}"/>
+          </ac:picMkLst>
+        </pc:picChg>
+      </pc:sldChg>
+    </pc:docChg>
+  </pc:docChgLst>
+  <pc:docChgLst>
+    <pc:chgData name="Bonney, Kirk Lane" userId="S::klbonne@sandia.gov::7ec7e2e5-322f-4962-a755-75060357d6d4" providerId="AD" clId="Web-{C9242A20-8392-79DE-B12C-25263FB8817C}"/>
+    <pc:docChg chg="modSld">
+      <pc:chgData name="Bonney, Kirk Lane" userId="S::klbonne@sandia.gov::7ec7e2e5-322f-4962-a755-75060357d6d4" providerId="AD" clId="Web-{C9242A20-8392-79DE-B12C-25263FB8817C}" dt="2025-01-29T16:59:43.023" v="757" actId="20577"/>
+      <pc:docMkLst>
+        <pc:docMk/>
+      </pc:docMkLst>
+      <pc:sldChg chg="addSp modSp">
+        <pc:chgData name="Bonney, Kirk Lane" userId="S::klbonne@sandia.gov::7ec7e2e5-322f-4962-a755-75060357d6d4" providerId="AD" clId="Web-{C9242A20-8392-79DE-B12C-25263FB8817C}" dt="2025-01-29T16:59:43.023" v="757" actId="20577"/>
+        <pc:sldMkLst>
+          <pc:docMk/>
+          <pc:sldMk cId="561752910" sldId="257"/>
+        </pc:sldMkLst>
+        <pc:spChg chg="add mod">
+          <ac:chgData name="Bonney, Kirk Lane" userId="S::klbonne@sandia.gov::7ec7e2e5-322f-4962-a755-75060357d6d4" providerId="AD" clId="Web-{C9242A20-8392-79DE-B12C-25263FB8817C}" dt="2025-01-29T16:50:40.206" v="613" actId="20577"/>
+          <ac:spMkLst>
+            <pc:docMk/>
+            <pc:sldMk cId="561752910" sldId="257"/>
+            <ac:spMk id="2" creationId="{270B481F-25BD-816E-E2DA-DD667C063A2A}"/>
+          </ac:spMkLst>
+        </pc:spChg>
+        <pc:spChg chg="mod">
+          <ac:chgData name="Bonney, Kirk Lane" userId="S::klbonne@sandia.gov::7ec7e2e5-322f-4962-a755-75060357d6d4" providerId="AD" clId="Web-{C9242A20-8392-79DE-B12C-25263FB8817C}" dt="2025-01-29T16:14:58.017" v="5" actId="20577"/>
+          <ac:spMkLst>
+            <pc:docMk/>
+            <pc:sldMk cId="561752910" sldId="257"/>
+            <ac:spMk id="5" creationId="{8C1780D8-1D6F-8730-647B-CB6798BC3A11}"/>
+          </ac:spMkLst>
+        </pc:spChg>
+        <pc:spChg chg="add mod">
+          <ac:chgData name="Bonney, Kirk Lane" userId="S::klbonne@sandia.gov::7ec7e2e5-322f-4962-a755-75060357d6d4" providerId="AD" clId="Web-{C9242A20-8392-79DE-B12C-25263FB8817C}" dt="2025-01-29T16:59:02.335" v="732" actId="20577"/>
+          <ac:spMkLst>
+            <pc:docMk/>
+            <pc:sldMk cId="561752910" sldId="257"/>
+            <ac:spMk id="7" creationId="{9C529F06-43F0-7CC0-1B28-35624C5C7924}"/>
+          </ac:spMkLst>
+        </pc:spChg>
+        <pc:spChg chg="add mod">
+          <ac:chgData name="Bonney, Kirk Lane" userId="S::klbonne@sandia.gov::7ec7e2e5-322f-4962-a755-75060357d6d4" providerId="AD" clId="Web-{C9242A20-8392-79DE-B12C-25263FB8817C}" dt="2025-01-29T16:59:43.023" v="757" actId="20577"/>
+          <ac:spMkLst>
+            <pc:docMk/>
+            <pc:sldMk cId="561752910" sldId="257"/>
+            <ac:spMk id="10" creationId="{80C98A58-8E4B-31D3-27CF-562D379AC8B2}"/>
+          </ac:spMkLst>
+        </pc:spChg>
+        <pc:spChg chg="mod">
+          <ac:chgData name="Bonney, Kirk Lane" userId="S::klbonne@sandia.gov::7ec7e2e5-322f-4962-a755-75060357d6d4" providerId="AD" clId="Web-{C9242A20-8392-79DE-B12C-25263FB8817C}" dt="2025-01-29T16:36:58.559" v="269" actId="20577"/>
+          <ac:spMkLst>
+            <pc:docMk/>
+            <pc:sldMk cId="561752910" sldId="257"/>
+            <ac:spMk id="14" creationId="{76DF32CB-BBA4-E078-EFD5-4B4AAE2D575E}"/>
+          </ac:spMkLst>
+        </pc:spChg>
+        <pc:picChg chg="mod">
+          <ac:chgData name="Bonney, Kirk Lane" userId="S::klbonne@sandia.gov::7ec7e2e5-322f-4962-a755-75060357d6d4" providerId="AD" clId="Web-{C9242A20-8392-79DE-B12C-25263FB8817C}" dt="2025-01-29T16:30:05.728" v="75" actId="1076"/>
+          <ac:picMkLst>
+            <pc:docMk/>
+            <pc:sldMk cId="561752910" sldId="257"/>
+            <ac:picMk id="6" creationId="{B03A2B95-3D44-6A8B-3F50-D6119D8E09C8}"/>
+          </ac:picMkLst>
+        </pc:picChg>
+      </pc:sldChg>
+    </pc:docChg>
+  </pc:docChgLst>
+  <pc:docChgLst>
+    <pc:chgData name="Bonney, Kirk Lane" userId="S::klbonne@sandia.gov::7ec7e2e5-322f-4962-a755-75060357d6d4" providerId="AD" clId="Web-{8075C61F-BFC9-1B91-2F93-A9E0AA3F94AA}"/>
+    <pc:docChg chg="modSld">
+      <pc:chgData name="Bonney, Kirk Lane" userId="S::klbonne@sandia.gov::7ec7e2e5-322f-4962-a755-75060357d6d4" providerId="AD" clId="Web-{8075C61F-BFC9-1B91-2F93-A9E0AA3F94AA}" dt="2025-02-24T17:51:20.666" v="118"/>
+      <pc:docMkLst>
+        <pc:docMk/>
+      </pc:docMkLst>
+      <pc:sldChg chg="addSp delSp modSp modCm">
+        <pc:chgData name="Bonney, Kirk Lane" userId="S::klbonne@sandia.gov::7ec7e2e5-322f-4962-a755-75060357d6d4" providerId="AD" clId="Web-{8075C61F-BFC9-1B91-2F93-A9E0AA3F94AA}" dt="2025-02-24T17:51:20.666" v="118"/>
+        <pc:sldMkLst>
+          <pc:docMk/>
+          <pc:sldMk cId="561752910" sldId="257"/>
+        </pc:sldMkLst>
+        <pc:spChg chg="mod">
+          <ac:chgData name="Bonney, Kirk Lane" userId="S::klbonne@sandia.gov::7ec7e2e5-322f-4962-a755-75060357d6d4" providerId="AD" clId="Web-{8075C61F-BFC9-1B91-2F93-A9E0AA3F94AA}" dt="2025-02-24T17:51:01.525" v="110" actId="1076"/>
+          <ac:spMkLst>
+            <pc:docMk/>
+            <pc:sldMk cId="561752910" sldId="257"/>
+            <ac:spMk id="5" creationId="{8C1780D8-1D6F-8730-647B-CB6798BC3A11}"/>
+          </ac:spMkLst>
+        </pc:spChg>
+        <pc:spChg chg="mod">
+          <ac:chgData name="Bonney, Kirk Lane" userId="S::klbonne@sandia.gov::7ec7e2e5-322f-4962-a755-75060357d6d4" providerId="AD" clId="Web-{8075C61F-BFC9-1B91-2F93-A9E0AA3F94AA}" dt="2025-02-24T17:51:18.666" v="117" actId="1076"/>
+          <ac:spMkLst>
+            <pc:docMk/>
+            <pc:sldMk cId="561752910" sldId="257"/>
+            <ac:spMk id="7" creationId="{9C529F06-43F0-7CC0-1B28-35624C5C7924}"/>
+          </ac:spMkLst>
+        </pc:spChg>
+        <pc:spChg chg="mod">
+          <ac:chgData name="Bonney, Kirk Lane" userId="S::klbonne@sandia.gov::7ec7e2e5-322f-4962-a755-75060357d6d4" providerId="AD" clId="Web-{8075C61F-BFC9-1B91-2F93-A9E0AA3F94AA}" dt="2025-02-24T17:51:11.228" v="115" actId="20577"/>
+          <ac:spMkLst>
+            <pc:docMk/>
+            <pc:sldMk cId="561752910" sldId="257"/>
+            <ac:spMk id="39" creationId="{00000000-0000-0000-0000-000000000000}"/>
+          </ac:spMkLst>
+        </pc:spChg>
+        <pc:picChg chg="del mod">
+          <ac:chgData name="Bonney, Kirk Lane" userId="S::klbonne@sandia.gov::7ec7e2e5-322f-4962-a755-75060357d6d4" providerId="AD" clId="Web-{8075C61F-BFC9-1B91-2F93-A9E0AA3F94AA}" dt="2025-02-24T17:51:20.666" v="118"/>
+          <ac:picMkLst>
+            <pc:docMk/>
+            <pc:sldMk cId="561752910" sldId="257"/>
+            <ac:picMk id="9" creationId="{86BD1CA7-A2B6-6EEA-FD9D-62DA0600F00E}"/>
+          </ac:picMkLst>
+        </pc:picChg>
+        <pc:picChg chg="add mod modCrop">
+          <ac:chgData name="Bonney, Kirk Lane" userId="S::klbonne@sandia.gov::7ec7e2e5-322f-4962-a755-75060357d6d4" providerId="AD" clId="Web-{8075C61F-BFC9-1B91-2F93-A9E0AA3F94AA}" dt="2025-02-24T17:51:16.119" v="116" actId="1076"/>
+          <ac:picMkLst>
+            <pc:docMk/>
+            <pc:sldMk cId="561752910" sldId="257"/>
+            <ac:picMk id="12" creationId="{FD8B4872-C423-342A-1D7D-6FE2F7A06535}"/>
+          </ac:picMkLst>
+        </pc:picChg>
+        <pc:extLst>
+          <p:ext xmlns:p="http://schemas.openxmlformats.org/presentationml/2006/main" uri="{D6D511B9-2390-475A-947B-AFAB55BFBCF1}">
+            <pc226:cmChg xmlns:pc226="http://schemas.microsoft.com/office/powerpoint/2022/06/main/command" chg="mod">
+              <pc226:chgData name="Bonney, Kirk Lane" userId="S::klbonne@sandia.gov::7ec7e2e5-322f-4962-a755-75060357d6d4" providerId="AD" clId="Web-{8075C61F-BFC9-1B91-2F93-A9E0AA3F94AA}" dt="2025-02-24T17:51:09.103" v="114" actId="20577"/>
+              <pc2:cmMkLst xmlns:pc2="http://schemas.microsoft.com/office/powerpoint/2019/9/main/command">
+                <pc:docMk/>
+                <pc:sldMk cId="561752910" sldId="257"/>
+                <pc2:cmMk id="{F43D29E3-367E-43F1-9887-87ED9A3ED8DF}"/>
+              </pc2:cmMkLst>
+            </pc226:cmChg>
+          </p:ext>
+        </pc:extLst>
+      </pc:sldChg>
+      <pc:sldChg chg="addSp delSp modSp">
+        <pc:chgData name="Bonney, Kirk Lane" userId="S::klbonne@sandia.gov::7ec7e2e5-322f-4962-a755-75060357d6d4" providerId="AD" clId="Web-{8075C61F-BFC9-1B91-2F93-A9E0AA3F94AA}" dt="2025-02-24T17:47:14.426" v="7" actId="14100"/>
+        <pc:sldMkLst>
+          <pc:docMk/>
+          <pc:sldMk cId="2651135960" sldId="258"/>
+        </pc:sldMkLst>
+        <pc:spChg chg="add del mod">
+          <ac:chgData name="Bonney, Kirk Lane" userId="S::klbonne@sandia.gov::7ec7e2e5-322f-4962-a755-75060357d6d4" providerId="AD" clId="Web-{8075C61F-BFC9-1B91-2F93-A9E0AA3F94AA}" dt="2025-02-24T17:46:43.988" v="2"/>
+          <ac:spMkLst>
+            <pc:docMk/>
+            <pc:sldMk cId="2651135960" sldId="258"/>
+            <ac:spMk id="4" creationId="{6EA1928C-FD86-150C-7892-A33F500AD5BA}"/>
+          </ac:spMkLst>
+        </pc:spChg>
+        <pc:picChg chg="add mod">
+          <ac:chgData name="Bonney, Kirk Lane" userId="S::klbonne@sandia.gov::7ec7e2e5-322f-4962-a755-75060357d6d4" providerId="AD" clId="Web-{8075C61F-BFC9-1B91-2F93-A9E0AA3F94AA}" dt="2025-02-24T17:47:14.426" v="7" actId="14100"/>
+          <ac:picMkLst>
+            <pc:docMk/>
+            <pc:sldMk cId="2651135960" sldId="258"/>
+            <ac:picMk id="6" creationId="{B97A8565-EAE3-3C79-2375-C4A9C6846769}"/>
+          </ac:picMkLst>
+        </pc:picChg>
+      </pc:sldChg>
+    </pc:docChg>
+  </pc:docChgLst>
+  <pc:docChgLst>
+    <pc:chgData name="Bonney, Kirk Lane" userId="S::klbonne@sandia.gov::7ec7e2e5-322f-4962-a755-75060357d6d4" providerId="AD" clId="Web-{229FA01E-394D-8CB7-FE48-A026F32A1AF4}"/>
+    <pc:docChg chg="modSld">
+      <pc:chgData name="Bonney, Kirk Lane" userId="S::klbonne@sandia.gov::7ec7e2e5-322f-4962-a755-75060357d6d4" providerId="AD" clId="Web-{229FA01E-394D-8CB7-FE48-A026F32A1AF4}" dt="2025-01-07T16:39:45.399" v="10" actId="1076"/>
+      <pc:docMkLst>
+        <pc:docMk/>
+      </pc:docMkLst>
+      <pc:sldChg chg="modSp">
+        <pc:chgData name="Bonney, Kirk Lane" userId="S::klbonne@sandia.gov::7ec7e2e5-322f-4962-a755-75060357d6d4" providerId="AD" clId="Web-{229FA01E-394D-8CB7-FE48-A026F32A1AF4}" dt="2025-01-07T16:39:45.399" v="10" actId="1076"/>
+        <pc:sldMkLst>
+          <pc:docMk/>
+          <pc:sldMk cId="561752910" sldId="257"/>
+        </pc:sldMkLst>
+        <pc:spChg chg="mod">
+          <ac:chgData name="Bonney, Kirk Lane" userId="S::klbonne@sandia.gov::7ec7e2e5-322f-4962-a755-75060357d6d4" providerId="AD" clId="Web-{229FA01E-394D-8CB7-FE48-A026F32A1AF4}" dt="2025-01-07T16:35:12.080" v="1" actId="20577"/>
+          <ac:spMkLst>
+            <pc:docMk/>
+            <pc:sldMk cId="561752910" sldId="257"/>
+            <ac:spMk id="14" creationId="{76DF32CB-BBA4-E078-EFD5-4B4AAE2D575E}"/>
+          </ac:spMkLst>
+        </pc:spChg>
+        <pc:picChg chg="mod">
+          <ac:chgData name="Bonney, Kirk Lane" userId="S::klbonne@sandia.gov::7ec7e2e5-322f-4962-a755-75060357d6d4" providerId="AD" clId="Web-{229FA01E-394D-8CB7-FE48-A026F32A1AF4}" dt="2025-01-07T16:39:31.539" v="4" actId="1076"/>
+          <ac:picMkLst>
+            <pc:docMk/>
+            <pc:sldMk cId="561752910" sldId="257"/>
+            <ac:picMk id="6" creationId="{B03A2B95-3D44-6A8B-3F50-D6119D8E09C8}"/>
+          </ac:picMkLst>
+        </pc:picChg>
+        <pc:picChg chg="mod">
+          <ac:chgData name="Bonney, Kirk Lane" userId="S::klbonne@sandia.gov::7ec7e2e5-322f-4962-a755-75060357d6d4" providerId="AD" clId="Web-{229FA01E-394D-8CB7-FE48-A026F32A1AF4}" dt="2025-01-07T16:39:38.195" v="7" actId="1076"/>
+          <ac:picMkLst>
+            <pc:docMk/>
+            <pc:sldMk cId="561752910" sldId="257"/>
+            <ac:picMk id="8" creationId="{B45002CB-F2D3-0187-4C80-7A8A3AEA6D7B}"/>
+          </ac:picMkLst>
+        </pc:picChg>
+        <pc:picChg chg="mod">
+          <ac:chgData name="Bonney, Kirk Lane" userId="S::klbonne@sandia.gov::7ec7e2e5-322f-4962-a755-75060357d6d4" providerId="AD" clId="Web-{229FA01E-394D-8CB7-FE48-A026F32A1AF4}" dt="2025-01-07T16:39:45.399" v="10" actId="1076"/>
+          <ac:picMkLst>
+            <pc:docMk/>
+            <pc:sldMk cId="561752910" sldId="257"/>
+            <ac:picMk id="9" creationId="{86BD1CA7-A2B6-6EEA-FD9D-62DA0600F00E}"/>
+          </ac:picMkLst>
+        </pc:picChg>
+      </pc:sldChg>
+    </pc:docChg>
+  </pc:docChgLst>
+  <pc:docChgLst>
+    <pc:chgData name="Bonney, Kirk Lane" userId="S::klbonne@sandia.gov::7ec7e2e5-322f-4962-a755-75060357d6d4" providerId="AD" clId="Web-{06B9DFC9-FAD2-861C-8234-DB8772BEBC3B}"/>
+    <pc:docChg chg="modSld">
+      <pc:chgData name="Bonney, Kirk Lane" userId="S::klbonne@sandia.gov::7ec7e2e5-322f-4962-a755-75060357d6d4" providerId="AD" clId="Web-{06B9DFC9-FAD2-861C-8234-DB8772BEBC3B}" dt="2025-03-04T17:58:14.693" v="112" actId="20577"/>
+      <pc:docMkLst>
+        <pc:docMk/>
+      </pc:docMkLst>
+      <pc:sldChg chg="addSp delSp modSp modCm">
+        <pc:chgData name="Bonney, Kirk Lane" userId="S::klbonne@sandia.gov::7ec7e2e5-322f-4962-a755-75060357d6d4" providerId="AD" clId="Web-{06B9DFC9-FAD2-861C-8234-DB8772BEBC3B}" dt="2025-03-04T17:58:14.693" v="112" actId="20577"/>
+        <pc:sldMkLst>
+          <pc:docMk/>
+          <pc:sldMk cId="561752910" sldId="257"/>
+        </pc:sldMkLst>
+        <pc:spChg chg="mod">
+          <ac:chgData name="Bonney, Kirk Lane" userId="S::klbonne@sandia.gov::7ec7e2e5-322f-4962-a755-75060357d6d4" providerId="AD" clId="Web-{06B9DFC9-FAD2-861C-8234-DB8772BEBC3B}" dt="2025-03-04T17:57:11.848" v="92" actId="20577"/>
+          <ac:spMkLst>
+            <pc:docMk/>
+            <pc:sldMk cId="561752910" sldId="257"/>
+            <ac:spMk id="2" creationId="{270B481F-25BD-816E-E2DA-DD667C063A2A}"/>
+          </ac:spMkLst>
+        </pc:spChg>
+        <pc:spChg chg="mod">
+          <ac:chgData name="Bonney, Kirk Lane" userId="S::klbonne@sandia.gov::7ec7e2e5-322f-4962-a755-75060357d6d4" providerId="AD" clId="Web-{06B9DFC9-FAD2-861C-8234-DB8772BEBC3B}" dt="2025-03-04T17:56:45.754" v="90" actId="1076"/>
+          <ac:spMkLst>
+            <pc:docMk/>
+            <pc:sldMk cId="561752910" sldId="257"/>
+            <ac:spMk id="7" creationId="{9C529F06-43F0-7CC0-1B28-35624C5C7924}"/>
+          </ac:spMkLst>
+        </pc:spChg>
+        <pc:spChg chg="mod">
+          <ac:chgData name="Bonney, Kirk Lane" userId="S::klbonne@sandia.gov::7ec7e2e5-322f-4962-a755-75060357d6d4" providerId="AD" clId="Web-{06B9DFC9-FAD2-861C-8234-DB8772BEBC3B}" dt="2025-03-04T17:56:45.551" v="88" actId="1076"/>
+          <ac:spMkLst>
+            <pc:docMk/>
+            <pc:sldMk cId="561752910" sldId="257"/>
+            <ac:spMk id="17" creationId="{8787962F-93CE-05D2-40C5-1DCD0D3B657D}"/>
+          </ac:spMkLst>
+        </pc:spChg>
+        <pc:spChg chg="mod">
+          <ac:chgData name="Bonney, Kirk Lane" userId="S::klbonne@sandia.gov::7ec7e2e5-322f-4962-a755-75060357d6d4" providerId="AD" clId="Web-{06B9DFC9-FAD2-861C-8234-DB8772BEBC3B}" dt="2025-03-04T17:57:17.489" v="94" actId="20577"/>
+          <ac:spMkLst>
+            <pc:docMk/>
+            <pc:sldMk cId="561752910" sldId="257"/>
+            <ac:spMk id="18" creationId="{6FC75C4C-3656-EAA5-5E9B-A54A0E476A6A}"/>
+          </ac:spMkLst>
+        </pc:spChg>
+        <pc:spChg chg="mod">
+          <ac:chgData name="Bonney, Kirk Lane" userId="S::klbonne@sandia.gov::7ec7e2e5-322f-4962-a755-75060357d6d4" providerId="AD" clId="Web-{06B9DFC9-FAD2-861C-8234-DB8772BEBC3B}" dt="2025-03-04T17:58:14.693" v="112" actId="20577"/>
+          <ac:spMkLst>
+            <pc:docMk/>
+            <pc:sldMk cId="561752910" sldId="257"/>
+            <ac:spMk id="39" creationId="{00000000-0000-0000-0000-000000000000}"/>
+          </ac:spMkLst>
+        </pc:spChg>
+        <pc:picChg chg="add mod">
+          <ac:chgData name="Bonney, Kirk Lane" userId="S::klbonne@sandia.gov::7ec7e2e5-322f-4962-a755-75060357d6d4" providerId="AD" clId="Web-{06B9DFC9-FAD2-861C-8234-DB8772BEBC3B}" dt="2025-03-04T17:56:45.692" v="89" actId="1076"/>
+          <ac:picMkLst>
+            <pc:docMk/>
+            <pc:sldMk cId="561752910" sldId="257"/>
+            <ac:picMk id="9" creationId="{BBF0A6DD-CDAE-F87C-8BB8-AD477F42A7FA}"/>
+          </ac:picMkLst>
+        </pc:picChg>
+        <pc:picChg chg="del">
+          <ac:chgData name="Bonney, Kirk Lane" userId="S::klbonne@sandia.gov::7ec7e2e5-322f-4962-a755-75060357d6d4" providerId="AD" clId="Web-{06B9DFC9-FAD2-861C-8234-DB8772BEBC3B}" dt="2025-03-04T17:53:37.815" v="5"/>
+          <ac:picMkLst>
+            <pc:docMk/>
+            <pc:sldMk cId="561752910" sldId="257"/>
+            <ac:picMk id="12" creationId="{FD8B4872-C423-342A-1D7D-6FE2F7A06535}"/>
+          </ac:picMkLst>
+        </pc:picChg>
+        <pc:extLst>
+          <p:ext xmlns:p="http://schemas.openxmlformats.org/presentationml/2006/main" uri="{D6D511B9-2390-475A-947B-AFAB55BFBCF1}">
+            <pc226:cmChg xmlns:pc226="http://schemas.microsoft.com/office/powerpoint/2022/06/main/command" chg="mod">
+              <pc226:chgData name="Bonney, Kirk Lane" userId="S::klbonne@sandia.gov::7ec7e2e5-322f-4962-a755-75060357d6d4" providerId="AD" clId="Web-{06B9DFC9-FAD2-861C-8234-DB8772BEBC3B}" dt="2025-03-04T17:58:11.818" v="111" actId="20577"/>
+              <pc2:cmMkLst xmlns:pc2="http://schemas.microsoft.com/office/powerpoint/2019/9/main/command">
+                <pc:docMk/>
+                <pc:sldMk cId="561752910" sldId="257"/>
+                <pc2:cmMk id="{275C2C61-DA49-4694-A52E-27AB79852ED2}"/>
+              </pc2:cmMkLst>
+            </pc226:cmChg>
+            <pc226:cmChg xmlns:pc226="http://schemas.microsoft.com/office/powerpoint/2022/06/main/command" chg="mod">
+              <pc226:chgData name="Bonney, Kirk Lane" userId="S::klbonne@sandia.gov::7ec7e2e5-322f-4962-a755-75060357d6d4" providerId="AD" clId="Web-{06B9DFC9-FAD2-861C-8234-DB8772BEBC3B}" dt="2025-03-04T17:58:11.818" v="111" actId="20577"/>
+              <pc2:cmMkLst xmlns:pc2="http://schemas.microsoft.com/office/powerpoint/2019/9/main/command">
+                <pc:docMk/>
+                <pc:sldMk cId="561752910" sldId="257"/>
+                <pc2:cmMk id="{7A7E51F9-9E63-4C1A-B48F-3F5094FC34C1}"/>
+              </pc2:cmMkLst>
+            </pc226:cmChg>
+          </p:ext>
+        </pc:extLst>
+      </pc:sldChg>
+      <pc:sldChg chg="addSp modSp">
+        <pc:chgData name="Bonney, Kirk Lane" userId="S::klbonne@sandia.gov::7ec7e2e5-322f-4962-a755-75060357d6d4" providerId="AD" clId="Web-{06B9DFC9-FAD2-861C-8234-DB8772BEBC3B}" dt="2025-03-04T17:53:39.409" v="6"/>
+        <pc:sldMkLst>
+          <pc:docMk/>
+          <pc:sldMk cId="2651135960" sldId="258"/>
+        </pc:sldMkLst>
+        <pc:picChg chg="add mod">
+          <ac:chgData name="Bonney, Kirk Lane" userId="S::klbonne@sandia.gov::7ec7e2e5-322f-4962-a755-75060357d6d4" providerId="AD" clId="Web-{06B9DFC9-FAD2-861C-8234-DB8772BEBC3B}" dt="2025-03-04T17:53:34.597" v="4" actId="14100"/>
+          <ac:picMkLst>
+            <pc:docMk/>
+            <pc:sldMk cId="2651135960" sldId="258"/>
+            <ac:picMk id="4" creationId="{94CD882E-9B78-724D-6074-C703B579ECFF}"/>
+          </ac:picMkLst>
+        </pc:picChg>
+        <pc:picChg chg="add mod">
+          <ac:chgData name="Bonney, Kirk Lane" userId="S::klbonne@sandia.gov::7ec7e2e5-322f-4962-a755-75060357d6d4" providerId="AD" clId="Web-{06B9DFC9-FAD2-861C-8234-DB8772BEBC3B}" dt="2025-03-04T17:53:39.409" v="6"/>
+          <ac:picMkLst>
+            <pc:docMk/>
+            <pc:sldMk cId="2651135960" sldId="258"/>
+            <ac:picMk id="9" creationId="{EA55E7EA-CE9B-FFCB-3B7B-E7A37908DFAE}"/>
+          </ac:picMkLst>
+        </pc:picChg>
+      </pc:sldChg>
+    </pc:docChg>
+  </pc:docChgLst>
+  <pc:docChgLst>
+    <pc:chgData name="Bonney, Kirk Lane" userId="S::klbonne@sandia.gov::7ec7e2e5-322f-4962-a755-75060357d6d4" providerId="AD" clId="Web-{3E6FF2E2-52F2-DBEA-E235-368649BF7C5D}"/>
+    <pc:docChg chg="addSld modSld">
+      <pc:chgData name="Bonney, Kirk Lane" userId="S::klbonne@sandia.gov::7ec7e2e5-322f-4962-a755-75060357d6d4" providerId="AD" clId="Web-{3E6FF2E2-52F2-DBEA-E235-368649BF7C5D}" dt="2025-01-07T14:04:22.733" v="220" actId="1076"/>
+      <pc:docMkLst>
+        <pc:docMk/>
+      </pc:docMkLst>
+      <pc:sldChg chg="addSp delSp modSp modCm">
+        <pc:chgData name="Bonney, Kirk Lane" userId="S::klbonne@sandia.gov::7ec7e2e5-322f-4962-a755-75060357d6d4" providerId="AD" clId="Web-{3E6FF2E2-52F2-DBEA-E235-368649BF7C5D}" dt="2025-01-07T14:04:22.733" v="220" actId="1076"/>
+        <pc:sldMkLst>
+          <pc:docMk/>
+          <pc:sldMk cId="561752910" sldId="257"/>
+        </pc:sldMkLst>
+        <pc:spChg chg="mod">
+          <ac:chgData name="Bonney, Kirk Lane" userId="S::klbonne@sandia.gov::7ec7e2e5-322f-4962-a755-75060357d6d4" providerId="AD" clId="Web-{3E6FF2E2-52F2-DBEA-E235-368649BF7C5D}" dt="2025-01-07T14:00:20.700" v="209" actId="20577"/>
+          <ac:spMkLst>
+            <pc:docMk/>
+            <pc:sldMk cId="561752910" sldId="257"/>
+            <ac:spMk id="14" creationId="{76DF32CB-BBA4-E078-EFD5-4B4AAE2D575E}"/>
+          </ac:spMkLst>
+        </pc:spChg>
+        <pc:spChg chg="del">
+          <ac:chgData name="Bonney, Kirk Lane" userId="S::klbonne@sandia.gov::7ec7e2e5-322f-4962-a755-75060357d6d4" providerId="AD" clId="Web-{3E6FF2E2-52F2-DBEA-E235-368649BF7C5D}" dt="2025-01-07T14:04:07.983" v="214"/>
+          <ac:spMkLst>
+            <pc:docMk/>
+            <pc:sldMk cId="561752910" sldId="257"/>
+            <ac:spMk id="15" creationId="{202B0BB6-7E17-E1E7-D1E9-AA7736CD6069}"/>
+          </ac:spMkLst>
+        </pc:spChg>
+        <pc:spChg chg="mod">
+          <ac:chgData name="Bonney, Kirk Lane" userId="S::klbonne@sandia.gov::7ec7e2e5-322f-4962-a755-75060357d6d4" providerId="AD" clId="Web-{3E6FF2E2-52F2-DBEA-E235-368649BF7C5D}" dt="2025-01-06T21:48:00.732" v="154" actId="1076"/>
+          <ac:spMkLst>
+            <pc:docMk/>
+            <pc:sldMk cId="561752910" sldId="257"/>
+            <ac:spMk id="18" creationId="{6FC75C4C-3656-EAA5-5E9B-A54A0E476A6A}"/>
+          </ac:spMkLst>
+        </pc:spChg>
+        <pc:spChg chg="del mod">
+          <ac:chgData name="Bonney, Kirk Lane" userId="S::klbonne@sandia.gov::7ec7e2e5-322f-4962-a755-75060357d6d4" providerId="AD" clId="Web-{3E6FF2E2-52F2-DBEA-E235-368649BF7C5D}" dt="2025-01-06T21:40:26.207" v="27"/>
+          <ac:spMkLst>
+            <pc:docMk/>
+            <pc:sldMk cId="561752910" sldId="257"/>
+            <ac:spMk id="19" creationId="{023F194D-E152-F303-97FD-AFD4CD255D3E}"/>
+          </ac:spMkLst>
+        </pc:spChg>
+        <pc:spChg chg="del mod">
+          <ac:chgData name="Bonney, Kirk Lane" userId="S::klbonne@sandia.gov::7ec7e2e5-322f-4962-a755-75060357d6d4" providerId="AD" clId="Web-{3E6FF2E2-52F2-DBEA-E235-368649BF7C5D}" dt="2025-01-06T21:40:11.816" v="23"/>
+          <ac:spMkLst>
+            <pc:docMk/>
+            <pc:sldMk cId="561752910" sldId="257"/>
+            <ac:spMk id="20" creationId="{368BDECF-225E-B256-90BA-31EEE73C0C1A}"/>
+          </ac:spMkLst>
+        </pc:spChg>
+        <pc:spChg chg="mod">
+          <ac:chgData name="Bonney, Kirk Lane" userId="S::klbonne@sandia.gov::7ec7e2e5-322f-4962-a755-75060357d6d4" providerId="AD" clId="Web-{3E6FF2E2-52F2-DBEA-E235-368649BF7C5D}" dt="2025-01-06T21:31:22.994" v="0" actId="1076"/>
+          <ac:spMkLst>
+            <pc:docMk/>
+            <pc:sldMk cId="561752910" sldId="257"/>
+            <ac:spMk id="22" creationId="{CDACA5FA-5C00-C637-F94F-6AC4D9BE0557}"/>
+          </ac:spMkLst>
+        </pc:spChg>
+        <pc:spChg chg="mod">
+          <ac:chgData name="Bonney, Kirk Lane" userId="S::klbonne@sandia.gov::7ec7e2e5-322f-4962-a755-75060357d6d4" providerId="AD" clId="Web-{3E6FF2E2-52F2-DBEA-E235-368649BF7C5D}" dt="2025-01-07T14:03:54.968" v="211" actId="20577"/>
+          <ac:spMkLst>
+            <pc:docMk/>
+            <pc:sldMk cId="561752910" sldId="257"/>
+            <ac:spMk id="39" creationId="{00000000-0000-0000-0000-000000000000}"/>
+          </ac:spMkLst>
+        </pc:spChg>
+        <pc:picChg chg="del mod ord">
+          <ac:chgData name="Bonney, Kirk Lane" userId="S::klbonne@sandia.gov::7ec7e2e5-322f-4962-a755-75060357d6d4" providerId="AD" clId="Web-{3E6FF2E2-52F2-DBEA-E235-368649BF7C5D}" dt="2025-01-07T13:58:58.841" v="186"/>
+          <ac:picMkLst>
+            <pc:docMk/>
+            <pc:sldMk cId="561752910" sldId="257"/>
+            <ac:picMk id="2" creationId="{DA4BF2DE-E86A-C0AD-8EE3-7306FDB39913}"/>
+          </ac:picMkLst>
+        </pc:picChg>
+        <pc:picChg chg="add mod">
+          <ac:chgData name="Bonney, Kirk Lane" userId="S::klbonne@sandia.gov::7ec7e2e5-322f-4962-a755-75060357d6d4" providerId="AD" clId="Web-{3E6FF2E2-52F2-DBEA-E235-368649BF7C5D}" dt="2025-01-07T13:59:19.309" v="194" actId="1076"/>
+          <ac:picMkLst>
+            <pc:docMk/>
+            <pc:sldMk cId="561752910" sldId="257"/>
+            <ac:picMk id="6" creationId="{B03A2B95-3D44-6A8B-3F50-D6119D8E09C8}"/>
+          </ac:picMkLst>
+        </pc:picChg>
+        <pc:picChg chg="del mod">
+          <ac:chgData name="Bonney, Kirk Lane" userId="S::klbonne@sandia.gov::7ec7e2e5-322f-4962-a755-75060357d6d4" providerId="AD" clId="Web-{3E6FF2E2-52F2-DBEA-E235-368649BF7C5D}" dt="2025-01-06T21:54:55.193" v="156"/>
+          <ac:picMkLst>
+            <pc:docMk/>
+            <pc:sldMk cId="561752910" sldId="257"/>
+            <ac:picMk id="7" creationId="{A6889514-8AA9-6C85-1DAC-9F86F86632F5}"/>
+          </ac:picMkLst>
+        </pc:picChg>
+        <pc:picChg chg="add mod ord">
+          <ac:chgData name="Bonney, Kirk Lane" userId="S::klbonne@sandia.gov::7ec7e2e5-322f-4962-a755-75060357d6d4" providerId="AD" clId="Web-{3E6FF2E2-52F2-DBEA-E235-368649BF7C5D}" dt="2025-01-07T13:59:16.700" v="193" actId="1076"/>
+          <ac:picMkLst>
+            <pc:docMk/>
+            <pc:sldMk cId="561752910" sldId="257"/>
+            <ac:picMk id="8" creationId="{B45002CB-F2D3-0187-4C80-7A8A3AEA6D7B}"/>
+          </ac:picMkLst>
+        </pc:picChg>
+        <pc:picChg chg="add mod">
+          <ac:chgData name="Bonney, Kirk Lane" userId="S::klbonne@sandia.gov::7ec7e2e5-322f-4962-a755-75060357d6d4" providerId="AD" clId="Web-{3E6FF2E2-52F2-DBEA-E235-368649BF7C5D}" dt="2025-01-07T14:04:22.733" v="220" actId="1076"/>
+          <ac:picMkLst>
+            <pc:docMk/>
+            <pc:sldMk cId="561752910" sldId="257"/>
+            <ac:picMk id="9" creationId="{86BD1CA7-A2B6-6EEA-FD9D-62DA0600F00E}"/>
+          </ac:picMkLst>
+        </pc:picChg>
+        <pc:extLst>
+          <p:ext xmlns:p="http://schemas.openxmlformats.org/presentationml/2006/main" uri="{D6D511B9-2390-475A-947B-AFAB55BFBCF1}">
+            <pc226:cmChg xmlns:pc226="http://schemas.microsoft.com/office/powerpoint/2022/06/main/command" chg="mod">
+              <pc226:chgData name="Bonney, Kirk Lane" userId="S::klbonne@sandia.gov::7ec7e2e5-322f-4962-a755-75060357d6d4" providerId="AD" clId="Web-{3E6FF2E2-52F2-DBEA-E235-368649BF7C5D}" dt="2025-01-07T14:01:36.467" v="210" actId="20577"/>
+              <pc2:cmMkLst xmlns:pc2="http://schemas.microsoft.com/office/powerpoint/2019/9/main/command">
+                <pc:docMk/>
+                <pc:sldMk cId="561752910" sldId="257"/>
+                <pc2:cmMk id="{F43D29E3-367E-43F1-9887-87ED9A3ED8DF}"/>
+              </pc2:cmMkLst>
+            </pc226:cmChg>
+          </p:ext>
+        </pc:extLst>
+      </pc:sldChg>
+      <pc:sldChg chg="addSp delSp modSp new">
+        <pc:chgData name="Bonney, Kirk Lane" userId="S::klbonne@sandia.gov::7ec7e2e5-322f-4962-a755-75060357d6d4" providerId="AD" clId="Web-{3E6FF2E2-52F2-DBEA-E235-368649BF7C5D}" dt="2025-01-07T14:03:59.593" v="213" actId="14100"/>
+        <pc:sldMkLst>
+          <pc:docMk/>
+          <pc:sldMk cId="2651135960" sldId="258"/>
+        </pc:sldMkLst>
+        <pc:spChg chg="del">
+          <ac:chgData name="Bonney, Kirk Lane" userId="S::klbonne@sandia.gov::7ec7e2e5-322f-4962-a755-75060357d6d4" providerId="AD" clId="Web-{3E6FF2E2-52F2-DBEA-E235-368649BF7C5D}" dt="2025-01-06T21:55:34.663" v="167"/>
+          <ac:spMkLst>
+            <pc:docMk/>
+            <pc:sldMk cId="2651135960" sldId="258"/>
+            <ac:spMk id="2" creationId="{7FD21443-F5D9-20BC-6D50-0789EFD2C244}"/>
+          </ac:spMkLst>
+        </pc:spChg>
+        <pc:spChg chg="del mod">
+          <ac:chgData name="Bonney, Kirk Lane" userId="S::klbonne@sandia.gov::7ec7e2e5-322f-4962-a755-75060357d6d4" providerId="AD" clId="Web-{3E6FF2E2-52F2-DBEA-E235-368649BF7C5D}" dt="2025-01-06T21:55:33.819" v="166"/>
+          <ac:spMkLst>
+            <pc:docMk/>
+            <pc:sldMk cId="2651135960" sldId="258"/>
+            <ac:spMk id="3" creationId="{314CFD12-02D7-A3B9-1196-8484778AB982}"/>
+          </ac:spMkLst>
+        </pc:spChg>
+        <pc:picChg chg="add mod">
+          <ac:chgData name="Bonney, Kirk Lane" userId="S::klbonne@sandia.gov::7ec7e2e5-322f-4962-a755-75060357d6d4" providerId="AD" clId="Web-{3E6FF2E2-52F2-DBEA-E235-368649BF7C5D}" dt="2025-01-07T13:58:54.075" v="185"/>
+          <ac:picMkLst>
+            <pc:docMk/>
+            <pc:sldMk cId="2651135960" sldId="258"/>
+            <ac:picMk id="2" creationId="{8FB34C73-9EDB-CDD1-E52A-056B451D7FD8}"/>
+          </ac:picMkLst>
+        </pc:picChg>
+        <pc:picChg chg="add mod">
+          <ac:chgData name="Bonney, Kirk Lane" userId="S::klbonne@sandia.gov::7ec7e2e5-322f-4962-a755-75060357d6d4" providerId="AD" clId="Web-{3E6FF2E2-52F2-DBEA-E235-368649BF7C5D}" dt="2025-01-07T14:03:59.593" v="213" actId="14100"/>
+          <ac:picMkLst>
+            <pc:docMk/>
+            <pc:sldMk cId="2651135960" sldId="258"/>
+            <ac:picMk id="3" creationId="{0D6A40BD-FBF9-3DB2-B539-2CA9C6FF5FDA}"/>
+          </ac:picMkLst>
+        </pc:picChg>
+        <pc:picChg chg="add mod">
+          <ac:chgData name="Bonney, Kirk Lane" userId="S::klbonne@sandia.gov::7ec7e2e5-322f-4962-a755-75060357d6d4" providerId="AD" clId="Web-{3E6FF2E2-52F2-DBEA-E235-368649BF7C5D}" dt="2025-01-07T13:58:44.934" v="179" actId="1076"/>
+          <ac:picMkLst>
+            <pc:docMk/>
+            <pc:sldMk cId="2651135960" sldId="258"/>
+            <ac:picMk id="5" creationId="{AC15EF5B-3DCF-E44F-5504-171EBC095E59}"/>
+          </ac:picMkLst>
+        </pc:picChg>
+        <pc:picChg chg="add mod">
+          <ac:chgData name="Bonney, Kirk Lane" userId="S::klbonne@sandia.gov::7ec7e2e5-322f-4962-a755-75060357d6d4" providerId="AD" clId="Web-{3E6FF2E2-52F2-DBEA-E235-368649BF7C5D}" dt="2025-01-07T13:58:44.340" v="178" actId="1076"/>
+          <ac:picMkLst>
+            <pc:docMk/>
+            <pc:sldMk cId="2651135960" sldId="258"/>
+            <ac:picMk id="7" creationId="{806AA41F-C5E7-9328-C072-820883651435}"/>
+          </ac:picMkLst>
+        </pc:picChg>
+        <pc:picChg chg="add mod">
+          <ac:chgData name="Bonney, Kirk Lane" userId="S::klbonne@sandia.gov::7ec7e2e5-322f-4962-a755-75060357d6d4" providerId="AD" clId="Web-{3E6FF2E2-52F2-DBEA-E235-368649BF7C5D}" dt="2025-01-07T13:58:46.309" v="180" actId="1076"/>
+          <ac:picMkLst>
+            <pc:docMk/>
+            <pc:sldMk cId="2651135960" sldId="258"/>
+            <ac:picMk id="8" creationId="{02733151-A88B-08FF-0CDD-D3512E954315}"/>
+          </ac:picMkLst>
+        </pc:picChg>
+      </pc:sldChg>
+    </pc:docChg>
+  </pc:docChgLst>
+</pc:chgInfo>
+</file>
+
+<file path=ppt/comments/modernComment_101_217BAB4E.xml><?xml version="1.0" encoding="utf-8"?>
+<p188:cmLst xmlns:a="http://schemas.openxmlformats.org/drawingml/2006/main" xmlns:r="http://schemas.openxmlformats.org/officeDocument/2006/relationships" xmlns:p188="http://schemas.microsoft.com/office/powerpoint/2018/8/main">
+  <p188:cm id="{275C2C61-DA49-4694-A52E-27AB79852ED2}" authorId="{C68F20BD-5FE6-94EC-7D02-7E480943A96B}" created="2025-02-24T17:51:48.276">
+    <ac:txMkLst xmlns:ac="http://schemas.microsoft.com/office/drawing/2013/main/command">
+      <pc:docMk xmlns:pc="http://schemas.microsoft.com/office/powerpoint/2013/main/command"/>
+      <pc:sldMk xmlns:pc="http://schemas.microsoft.com/office/powerpoint/2013/main/command" cId="561752910" sldId="257"/>
+      <ac:spMk id="39" creationId="{00000000-0000-0000-0000-000000000000}"/>
+      <ac:txMk cp="0" len="44">
+        <ac:context len="854" hash="2724585501"/>
+      </ac:txMk>
+    </ac:txMkLst>
+    <p188:pos x="3070839" y="190580"/>
+    <p188:txBody>
+      <a:bodyPr/>
+      <a:lstStyle/>
+      <a:p>
+        <a:r>
+          <a:rPr lang="en-US"/>
+          <a:t>TODO update https://usepa.github.io/WNTR/examples.html#jupyter-notebook-examples
+page to include new tutorials.</a:t>
+        </a:r>
+      </a:p>
+    </p188:txBody>
+  </p188:cm>
+  <p188:cm id="{7A7E51F9-9E63-4C1A-B48F-3F5094FC34C1}" authorId="{C68F20BD-5FE6-94EC-7D02-7E480943A96B}" created="2025-02-24T17:53:27.340">
+    <ac:txMkLst xmlns:ac="http://schemas.microsoft.com/office/drawing/2013/main/command">
+      <pc:docMk xmlns:pc="http://schemas.microsoft.com/office/powerpoint/2013/main/command"/>
+      <pc:sldMk xmlns:pc="http://schemas.microsoft.com/office/powerpoint/2013/main/command" cId="561752910" sldId="257"/>
+      <ac:spMk id="39" creationId="{00000000-0000-0000-0000-000000000000}"/>
+      <ac:txMk cp="598" len="15">
+        <ac:context len="854" hash="2724585501"/>
+      </ac:txMk>
+    </ac:txMkLst>
+    <p188:pos x="1254808" y="1487584"/>
+    <p188:txBody>
+      <a:bodyPr/>
+      <a:lstStyle/>
+      <a:p>
+        <a:r>
+          <a:rPr lang="en-US"/>
+          <a:t>TODO adjust links once new tutorials are pulled into WNTR</a:t>
+        </a:r>
+      </a:p>
+    </p188:txBody>
+  </p188:cm>
+  <p188:cm id="{7407FB17-B088-4079-A8A0-26D1ADA954CC}" authorId="{C68F20BD-5FE6-94EC-7D02-7E480943A96B}" created="2025-02-24T17:53:58.419">
+    <ac:deMkLst xmlns:ac="http://schemas.microsoft.com/office/drawing/2013/main/command">
+      <pc:docMk xmlns:pc="http://schemas.microsoft.com/office/powerpoint/2013/main/command"/>
+      <pc:sldMk xmlns:pc="http://schemas.microsoft.com/office/powerpoint/2013/main/command" cId="561752910" sldId="257"/>
+      <ac:picMk id="12" creationId="{FD8B4872-C423-342A-1D7D-6FE2F7A06535}"/>
+    </ac:deMkLst>
+    <p188:txBody>
+      <a:bodyPr/>
+      <a:lstStyle/>
+      <a:p>
+        <a:r>
+          <a:rPr lang="en-US"/>
+          <a:t>Draft figure, waiting on updates to make disconnections clearer</a:t>
+        </a:r>
+      </a:p>
+    </p188:txBody>
+  </p188:cm>
+</p188:cmLst>
+</file>
+
 <file path=ppt/slideLayouts/slideLayout1.xml><?xml version="1.0" encoding="utf-8"?>
 <p:sldLayout xmlns:a="http://schemas.openxmlformats.org/drawingml/2006/main" xmlns:r="http://schemas.openxmlformats.org/officeDocument/2006/relationships" xmlns:p="http://schemas.openxmlformats.org/presentationml/2006/main" type="title" preserve="1">
   <p:cSld name="Title Slide">
@@ -243,7 +933,7 @@
           <a:p>
             <a:fld id="{78AFBD30-E760-4572-B462-738943907F1A}" type="datetimeFigureOut">
               <a:rPr lang="en-US" smtClean="0"/>
-              <a:t>11/13/2024</a:t>
+              <a:t>3/4/2025</a:t>
             </a:fld>
             <a:endParaRPr lang="en-US"/>
           </a:p>
@@ -413,7 +1103,7 @@
           <a:p>
             <a:fld id="{78AFBD30-E760-4572-B462-738943907F1A}" type="datetimeFigureOut">
               <a:rPr lang="en-US" smtClean="0"/>
-              <a:t>11/13/2024</a:t>
+              <a:t>3/4/2025</a:t>
             </a:fld>
             <a:endParaRPr lang="en-US"/>
           </a:p>
@@ -593,7 +1283,7 @@
           <a:p>
             <a:fld id="{78AFBD30-E760-4572-B462-738943907F1A}" type="datetimeFigureOut">
               <a:rPr lang="en-US" smtClean="0"/>
-              <a:t>11/13/2024</a:t>
+              <a:t>3/4/2025</a:t>
             </a:fld>
             <a:endParaRPr lang="en-US"/>
           </a:p>
@@ -763,7 +1453,7 @@
           <a:p>
             <a:fld id="{78AFBD30-E760-4572-B462-738943907F1A}" type="datetimeFigureOut">
               <a:rPr lang="en-US" smtClean="0"/>
-              <a:t>11/13/2024</a:t>
+              <a:t>3/4/2025</a:t>
             </a:fld>
             <a:endParaRPr lang="en-US"/>
           </a:p>
@@ -1007,7 +1697,7 @@
           <a:p>
             <a:fld id="{78AFBD30-E760-4572-B462-738943907F1A}" type="datetimeFigureOut">
               <a:rPr lang="en-US" smtClean="0"/>
-              <a:t>11/13/2024</a:t>
+              <a:t>3/4/2025</a:t>
             </a:fld>
             <a:endParaRPr lang="en-US"/>
           </a:p>
@@ -1239,7 +1929,7 @@
           <a:p>
             <a:fld id="{78AFBD30-E760-4572-B462-738943907F1A}" type="datetimeFigureOut">
               <a:rPr lang="en-US" smtClean="0"/>
-              <a:t>11/13/2024</a:t>
+              <a:t>3/4/2025</a:t>
             </a:fld>
             <a:endParaRPr lang="en-US"/>
           </a:p>
@@ -1606,7 +2296,7 @@
           <a:p>
             <a:fld id="{78AFBD30-E760-4572-B462-738943907F1A}" type="datetimeFigureOut">
               <a:rPr lang="en-US" smtClean="0"/>
-              <a:t>11/13/2024</a:t>
+              <a:t>3/4/2025</a:t>
             </a:fld>
             <a:endParaRPr lang="en-US"/>
           </a:p>
@@ -1724,7 +2414,7 @@
           <a:p>
             <a:fld id="{78AFBD30-E760-4572-B462-738943907F1A}" type="datetimeFigureOut">
               <a:rPr lang="en-US" smtClean="0"/>
-              <a:t>11/13/2024</a:t>
+              <a:t>3/4/2025</a:t>
             </a:fld>
             <a:endParaRPr lang="en-US"/>
           </a:p>
@@ -1819,7 +2509,7 @@
           <a:p>
             <a:fld id="{78AFBD30-E760-4572-B462-738943907F1A}" type="datetimeFigureOut">
               <a:rPr lang="en-US" smtClean="0"/>
-              <a:t>11/13/2024</a:t>
+              <a:t>3/4/2025</a:t>
             </a:fld>
             <a:endParaRPr lang="en-US"/>
           </a:p>
@@ -2096,7 +2786,7 @@
           <a:p>
             <a:fld id="{78AFBD30-E760-4572-B462-738943907F1A}" type="datetimeFigureOut">
               <a:rPr lang="en-US" smtClean="0"/>
-              <a:t>11/13/2024</a:t>
+              <a:t>3/4/2025</a:t>
             </a:fld>
             <a:endParaRPr lang="en-US"/>
           </a:p>
@@ -2353,7 +3043,7 @@
           <a:p>
             <a:fld id="{78AFBD30-E760-4572-B462-738943907F1A}" type="datetimeFigureOut">
               <a:rPr lang="en-US" smtClean="0"/>
-              <a:t>11/13/2024</a:t>
+              <a:t>3/4/2025</a:t>
             </a:fld>
             <a:endParaRPr lang="en-US"/>
           </a:p>
@@ -2566,7 +3256,7 @@
           <a:p>
             <a:fld id="{78AFBD30-E760-4572-B462-738943907F1A}" type="datetimeFigureOut">
               <a:rPr lang="en-US" smtClean="0"/>
-              <a:t>11/13/2024</a:t>
+              <a:t>3/4/2025</a:t>
             </a:fld>
             <a:endParaRPr lang="en-US"/>
           </a:p>
@@ -3071,7 +3761,7 @@
         <p:spPr>
           <a:xfrm>
             <a:off x="229684" y="1111796"/>
-            <a:ext cx="7387268" cy="1969770"/>
+            <a:ext cx="7387268" cy="2129814"/>
           </a:xfrm>
           <a:prstGeom prst="rect">
             <a:avLst/>
@@ -3079,22 +3769,22 @@
           <a:noFill/>
         </p:spPr>
         <p:txBody>
-          <a:bodyPr wrap="square" rtlCol="0">
+          <a:bodyPr wrap="square" lIns="91440" tIns="45720" rIns="91440" bIns="45720" rtlCol="0" anchor="t">
             <a:spAutoFit/>
           </a:bodyPr>
           <a:lstStyle/>
           <a:p>
             <a:r>
-              <a:rPr lang="en-US" sz="1220" dirty="0"/>
+              <a:rPr lang="en-US" sz="1200" dirty="0"/>
               <a:t>The </a:t>
             </a:r>
             <a:r>
-              <a:rPr lang="en-US" sz="1220" b="1" dirty="0"/>
+              <a:rPr lang="en-US" sz="1200" b="1" dirty="0"/>
               <a:t>Water Network Tool for Resilience (WNTR) </a:t>
             </a:r>
             <a:r>
-              <a:rPr lang="en-US" sz="1220" dirty="0"/>
-              <a:t>is an open source Python package designed to simulate and analyze resilience of water distribution systems. The United States Environmental Protection Agency, in partnership with Sandia National Laboratories, developed WNTR to integrate critical aspects of resilience modeling for water distribution systems into a single software framework. WNTR can be used to estimate infrastructure damage, evaluate preparedness strategies, prioritize response actions, and identify worse case scenarios and best practices for maintenance and operations. </a:t>
+              <a:rPr lang="en-US" sz="1200" dirty="0"/>
+              <a:t>is an open-source Python package designed to simulate and analyze resilience of water distribution systems. The United States Environmental Protection Agency, in partnership with Sandia National Laboratories, developed WNTR to integrate multiple critical aspects of resilience modeling for water distribution systems into a single software framework. WNTR can be used to estimate infrastructure damage, evaluate preparedness strategies, prioritize response actions, and identify worse case scenarios and best practices for maintenance and operations. </a:t>
             </a:r>
           </a:p>
           <a:p>
@@ -3102,17 +3792,58 @@
           </a:p>
           <a:p>
             <a:r>
-              <a:rPr lang="en-US" sz="1220" dirty="0"/>
+              <a:rPr lang="en-US" sz="1200" dirty="0"/>
               <a:t>WNTR comes with </a:t>
             </a:r>
             <a:r>
-              <a:rPr lang="en-US" sz="1220" dirty="0" err="1"/>
+              <a:rPr lang="en-US" sz="1200" dirty="0" err="1"/>
               <a:t>Jupyter</a:t>
             </a:r>
             <a:r>
-              <a:rPr lang="en-US" sz="1220" dirty="0"/>
-              <a:t> Notebook tutorials to help utilities get started using the software. The Notebooks run using an online service that does not require installing software. The tutorials cover the following capabilities:</a:t>
-            </a:r>
+              <a:rPr lang="en-US" sz="1200" dirty="0"/>
+              <a:t> notebook tutorials which illustrate basic usage of the software and how to execute a variety of analyses. </a:t>
+            </a:r>
+            <a:r>
+              <a:rPr lang="en-US" sz="1200" dirty="0">
+                <a:ea typeface="+mn-lt"/>
+                <a:cs typeface="+mn-lt"/>
+              </a:rPr>
+              <a:t>Instructions for setting up </a:t>
+            </a:r>
+            <a:r>
+              <a:rPr lang="en-US" sz="1200" dirty="0" err="1">
+                <a:ea typeface="+mn-lt"/>
+                <a:cs typeface="+mn-lt"/>
+              </a:rPr>
+              <a:t>Jupyter</a:t>
+            </a:r>
+            <a:r>
+              <a:rPr lang="en-US" sz="1200" dirty="0">
+                <a:ea typeface="+mn-lt"/>
+                <a:cs typeface="+mn-lt"/>
+              </a:rPr>
+              <a:t> are available in the </a:t>
+            </a:r>
+            <a:r>
+              <a:rPr lang="en-US" sz="1200" dirty="0">
+                <a:hlinkClick r:id="rId3"/>
+              </a:rPr>
+              <a:t>WNTR</a:t>
+            </a:r>
+            <a:r>
+              <a:rPr lang="en-US" sz="1200" dirty="0">
+                <a:hlinkClick r:id="rId3"/>
+              </a:rPr>
+              <a:t> documentation</a:t>
+            </a:r>
+            <a:r>
+              <a:rPr lang="en-US" sz="1200" dirty="0"/>
+              <a:t>. The tutorials cover the following capabilities:</a:t>
+            </a:r>
+            <a:endParaRPr lang="en-US" sz="1200" dirty="0">
+              <a:ea typeface="Calibri"/>
+              <a:cs typeface="Calibri"/>
+            </a:endParaRPr>
           </a:p>
           <a:p>
             <a:endParaRPr lang="en-US" sz="1220" dirty="0"/>
@@ -3427,7 +4158,7 @@
           <p:nvPr/>
         </p:nvPicPr>
         <p:blipFill>
-          <a:blip r:embed="rId2" cstate="print">
+          <a:blip r:embed="rId4" cstate="print">
             <a:alphaModFix amt="56000"/>
             <a:extLst>
               <a:ext uri="{28A0092B-C50C-407E-A947-70E740481C1C}">
@@ -3625,72 +4356,6 @@
       <p:pic>
         <p:nvPicPr>
           <p:cNvPr id="65" name="Picture 64"/>
-          <p:cNvPicPr>
-            <a:picLocks noChangeAspect="1"/>
-          </p:cNvPicPr>
-          <p:nvPr/>
-        </p:nvPicPr>
-        <p:blipFill>
-          <a:blip r:embed="rId3">
-            <a:extLst>
-              <a:ext uri="{28A0092B-C50C-407E-A947-70E740481C1C}">
-                <a14:useLocalDpi xmlns:a14="http://schemas.microsoft.com/office/drawing/2010/main" val="0"/>
-              </a:ext>
-            </a:extLst>
-          </a:blip>
-          <a:stretch>
-            <a:fillRect/>
-          </a:stretch>
-        </p:blipFill>
-        <p:spPr>
-          <a:xfrm>
-            <a:off x="6580738" y="9779575"/>
-            <a:ext cx="914400" cy="230124"/>
-          </a:xfrm>
-          <a:prstGeom prst="rect">
-            <a:avLst/>
-          </a:prstGeom>
-        </p:spPr>
-      </p:pic>
-      <p:pic>
-        <p:nvPicPr>
-          <p:cNvPr id="3" name="Picture 2"/>
-          <p:cNvPicPr>
-            <a:picLocks noChangeAspect="1"/>
-          </p:cNvPicPr>
-          <p:nvPr/>
-        </p:nvPicPr>
-        <p:blipFill>
-          <a:blip r:embed="rId4">
-            <a:extLst>
-              <a:ext uri="{28A0092B-C50C-407E-A947-70E740481C1C}">
-                <a14:useLocalDpi xmlns:a14="http://schemas.microsoft.com/office/drawing/2010/main" val="0"/>
-              </a:ext>
-            </a:extLst>
-          </a:blip>
-          <a:stretch>
-            <a:fillRect/>
-          </a:stretch>
-        </p:blipFill>
-        <p:spPr>
-          <a:xfrm>
-            <a:off x="196843" y="9779313"/>
-            <a:ext cx="1371600" cy="209405"/>
-          </a:xfrm>
-          <a:prstGeom prst="rect">
-            <a:avLst/>
-          </a:prstGeom>
-        </p:spPr>
-      </p:pic>
-      <p:pic>
-        <p:nvPicPr>
-          <p:cNvPr id="4" name="Picture 3">
-            <a:extLst>
-              <a:ext uri="{FF2B5EF4-FFF2-40B4-BE49-F238E27FC236}">
-                <a16:creationId xmlns:a16="http://schemas.microsoft.com/office/drawing/2014/main" id="{463B5A6E-48B5-720E-B8AD-F3C2C16674EE}"/>
-              </a:ext>
-            </a:extLst>
-          </p:cNvPr>
           <p:cNvPicPr>
             <a:picLocks noChangeAspect="1"/>
           </p:cNvPicPr>
@@ -3710,6 +4375,72 @@
         </p:blipFill>
         <p:spPr>
           <a:xfrm>
+            <a:off x="6580738" y="9779575"/>
+            <a:ext cx="914400" cy="230124"/>
+          </a:xfrm>
+          <a:prstGeom prst="rect">
+            <a:avLst/>
+          </a:prstGeom>
+        </p:spPr>
+      </p:pic>
+      <p:pic>
+        <p:nvPicPr>
+          <p:cNvPr id="3" name="Picture 2"/>
+          <p:cNvPicPr>
+            <a:picLocks noChangeAspect="1"/>
+          </p:cNvPicPr>
+          <p:nvPr/>
+        </p:nvPicPr>
+        <p:blipFill>
+          <a:blip r:embed="rId6">
+            <a:extLst>
+              <a:ext uri="{28A0092B-C50C-407E-A947-70E740481C1C}">
+                <a14:useLocalDpi xmlns:a14="http://schemas.microsoft.com/office/drawing/2010/main" val="0"/>
+              </a:ext>
+            </a:extLst>
+          </a:blip>
+          <a:stretch>
+            <a:fillRect/>
+          </a:stretch>
+        </p:blipFill>
+        <p:spPr>
+          <a:xfrm>
+            <a:off x="196843" y="9779313"/>
+            <a:ext cx="1371600" cy="209405"/>
+          </a:xfrm>
+          <a:prstGeom prst="rect">
+            <a:avLst/>
+          </a:prstGeom>
+        </p:spPr>
+      </p:pic>
+      <p:pic>
+        <p:nvPicPr>
+          <p:cNvPr id="4" name="Picture 3">
+            <a:extLst>
+              <a:ext uri="{FF2B5EF4-FFF2-40B4-BE49-F238E27FC236}">
+                <a16:creationId xmlns:a16="http://schemas.microsoft.com/office/drawing/2014/main" id="{463B5A6E-48B5-720E-B8AD-F3C2C16674EE}"/>
+              </a:ext>
+            </a:extLst>
+          </p:cNvPr>
+          <p:cNvPicPr>
+            <a:picLocks noChangeAspect="1"/>
+          </p:cNvPicPr>
+          <p:nvPr/>
+        </p:nvPicPr>
+        <p:blipFill>
+          <a:blip r:embed="rId7">
+            <a:extLst>
+              <a:ext uri="{28A0092B-C50C-407E-A947-70E740481C1C}">
+                <a14:useLocalDpi xmlns:a14="http://schemas.microsoft.com/office/drawing/2010/main" val="0"/>
+              </a:ext>
+            </a:extLst>
+          </a:blip>
+          <a:stretch>
+            <a:fillRect/>
+          </a:stretch>
+        </p:blipFill>
+        <p:spPr>
+          <a:xfrm>
             <a:off x="5954402" y="342277"/>
             <a:ext cx="1677321" cy="457200"/>
           </a:xfrm>
@@ -3741,19 +4472,23 @@
           <a:noFill/>
         </p:spPr>
         <p:txBody>
-          <a:bodyPr wrap="square">
+          <a:bodyPr wrap="square" lIns="91440" tIns="45720" rIns="91440" bIns="45720" anchor="t">
             <a:spAutoFit/>
           </a:bodyPr>
           <a:lstStyle/>
           <a:p>
             <a:r>
               <a:rPr lang="en-US" sz="1200" b="1" dirty="0">
-                <a:hlinkClick r:id="rId6"/>
+                <a:hlinkClick r:id="rId8"/>
               </a:rPr>
-              <a:t>Getting started: </a:t>
-            </a:r>
-            <a:r>
-              <a:rPr lang="en-US" sz="1200" dirty="0"/>
+              <a:t>Getting started</a:t>
+            </a:r>
+            <a:r>
+              <a:rPr lang="en-US" sz="1200" b="1"/>
+              <a:t>: </a:t>
+            </a:r>
+            <a:r>
+              <a:rPr lang="en-US" sz="1200"/>
               <a:t>Create a water network model from an EPANET INP file, simulate hydraulics, and plot simulation results</a:t>
             </a:r>
           </a:p>
@@ -3763,7 +4498,7 @@
           <a:p>
             <a:r>
               <a:rPr lang="en-US" sz="1200" b="1" dirty="0">
-                <a:hlinkClick r:id="rId6"/>
+                <a:hlinkClick r:id="rId9"/>
               </a:rPr>
               <a:t>WNTR basics</a:t>
             </a:r>
@@ -3789,18 +4524,18 @@
               <a:t>: Create a water network model from limited geospatial data</a:t>
             </a:r>
             <a:endParaRPr lang="en-US" sz="1200" b="1" dirty="0">
-              <a:hlinkClick r:id="rId7"/>
+              <a:hlinkClick r:id="rId10"/>
             </a:endParaRPr>
           </a:p>
           <a:p>
             <a:endParaRPr lang="en-US" sz="1200" b="1" dirty="0">
-              <a:hlinkClick r:id="rId7"/>
+              <a:hlinkClick r:id="rId10"/>
             </a:endParaRPr>
           </a:p>
           <a:p>
             <a:r>
               <a:rPr lang="en-US" sz="1200" b="1" dirty="0">
-                <a:hlinkClick r:id="rId7"/>
+                <a:hlinkClick r:id="rId10"/>
               </a:rPr>
               <a:t>Pipe break analysis</a:t>
             </a:r>
@@ -3811,41 +4546,6 @@
           </a:p>
           <a:p>
             <a:endParaRPr lang="en-US" sz="1200" dirty="0"/>
-          </a:p>
-        </p:txBody>
-      </p:sp>
-      <p:sp>
-        <p:nvSpPr>
-          <p:cNvPr id="9" name="TextBox 8">
-            <a:extLst>
-              <a:ext uri="{FF2B5EF4-FFF2-40B4-BE49-F238E27FC236}">
-                <a16:creationId xmlns:a16="http://schemas.microsoft.com/office/drawing/2014/main" id="{8E0EBA4C-51CC-D950-24AC-5ECC4971F0FE}"/>
-              </a:ext>
-            </a:extLst>
-          </p:cNvPr>
-          <p:cNvSpPr txBox="1"/>
-          <p:nvPr/>
-        </p:nvSpPr>
-        <p:spPr>
-          <a:xfrm>
-            <a:off x="369980" y="2408040"/>
-            <a:ext cx="5181600" cy="646331"/>
-          </a:xfrm>
-          <a:prstGeom prst="rect">
-            <a:avLst/>
-          </a:prstGeom>
-          <a:noFill/>
-        </p:spPr>
-        <p:txBody>
-          <a:bodyPr wrap="square">
-            <a:spAutoFit/>
-          </a:bodyPr>
-          <a:lstStyle/>
-          <a:p>
-            <a:endParaRPr lang="en-US" sz="1800" dirty="0"/>
-          </a:p>
-          <a:p>
-            <a:endParaRPr lang="en-US" sz="1800" dirty="0"/>
           </a:p>
         </p:txBody>
       </p:sp>
@@ -3864,7 +4564,7 @@
         <p:spPr>
           <a:xfrm>
             <a:off x="3899358" y="2997976"/>
-            <a:ext cx="3566160" cy="2677656"/>
+            <a:ext cx="3566160" cy="3231654"/>
           </a:xfrm>
           <a:prstGeom prst="rect">
             <a:avLst/>
@@ -3872,14 +4572,14 @@
           <a:noFill/>
         </p:spPr>
         <p:txBody>
-          <a:bodyPr wrap="square">
+          <a:bodyPr wrap="square" lIns="91440" tIns="45720" rIns="91440" bIns="45720" anchor="t">
             <a:spAutoFit/>
           </a:bodyPr>
           <a:lstStyle/>
           <a:p>
             <a:r>
               <a:rPr lang="en-US" sz="1200" b="1" dirty="0">
-                <a:hlinkClick r:id="rId8"/>
+                <a:hlinkClick r:id="rId11"/>
               </a:rPr>
               <a:t>Fire flow analysis</a:t>
             </a:r>
@@ -3894,7 +4594,7 @@
           <a:p>
             <a:r>
               <a:rPr lang="en-US" sz="1200" b="1" dirty="0">
-                <a:hlinkClick r:id="rId9"/>
+                <a:hlinkClick r:id="rId12"/>
               </a:rPr>
               <a:t>Earthquake analysis</a:t>
             </a:r>
@@ -3909,13 +4609,13 @@
           <a:p>
             <a:r>
               <a:rPr lang="en-US" sz="1200" b="1" dirty="0">
-                <a:hlinkClick r:id="rId10"/>
+                <a:hlinkClick r:id="rId13"/>
               </a:rPr>
               <a:t>Landslide analysis</a:t>
             </a:r>
             <a:r>
               <a:rPr lang="en-US" sz="1200" dirty="0"/>
-              <a:t>: Uses landslide inventory data to quantify potential water service disruptions from pipes damaged in a landslide</a:t>
+              <a:t>: Use landslide inventory data to quantify potential water service disruptions from pipes damaged in a landslide</a:t>
             </a:r>
           </a:p>
           <a:p>
@@ -3923,59 +4623,49 @@
           </a:p>
           <a:p>
             <a:r>
-              <a:rPr lang="en-US" sz="1200" b="1" dirty="0"/>
+              <a:rPr lang="en-US" sz="1200" b="1" dirty="0">
+                <a:hlinkClick r:id="rId14"/>
+              </a:rPr>
               <a:t>Salt water intrusion</a:t>
             </a:r>
             <a:r>
               <a:rPr lang="en-US" sz="1200" dirty="0"/>
-              <a:t>: Use storm surge data to estimate salt inundation after a hurricane</a:t>
-            </a:r>
-          </a:p>
-        </p:txBody>
-      </p:sp>
-      <p:sp>
-        <p:nvSpPr>
-          <p:cNvPr id="15" name="Rectangle 14">
-            <a:extLst>
-              <a:ext uri="{FF2B5EF4-FFF2-40B4-BE49-F238E27FC236}">
-                <a16:creationId xmlns:a16="http://schemas.microsoft.com/office/drawing/2014/main" id="{202B0BB6-7E17-E1E7-D1E9-AA7736CD6069}"/>
-              </a:ext>
-            </a:extLst>
-          </p:cNvPr>
-          <p:cNvSpPr/>
-          <p:nvPr/>
-        </p:nvSpPr>
-        <p:spPr>
-          <a:xfrm>
-            <a:off x="318654" y="6561654"/>
-            <a:ext cx="3199246" cy="2844800"/>
-          </a:xfrm>
-          <a:prstGeom prst="rect">
-            <a:avLst/>
-          </a:prstGeom>
-        </p:spPr>
-        <p:style>
-          <a:lnRef idx="2">
-            <a:schemeClr val="accent1">
-              <a:shade val="15000"/>
-            </a:schemeClr>
-          </a:lnRef>
-          <a:fillRef idx="1">
-            <a:schemeClr val="accent1"/>
-          </a:fillRef>
-          <a:effectRef idx="0">
-            <a:schemeClr val="accent1"/>
-          </a:effectRef>
-          <a:fontRef idx="minor">
-            <a:schemeClr val="lt1"/>
-          </a:fontRef>
-        </p:style>
-        <p:txBody>
-          <a:bodyPr rtlCol="0" anchor="ctr"/>
-          <a:lstStyle/>
-          <a:p>
-            <a:pPr algn="ctr"/>
-            <a:endParaRPr lang="en-US"/>
+              <a:t>: Use storm surge data to estimate salt intrusion to a system after a hurricane</a:t>
+            </a:r>
+            <a:endParaRPr lang="en-US" sz="1200" dirty="0">
+              <a:ea typeface="Calibri"/>
+              <a:cs typeface="Calibri"/>
+            </a:endParaRPr>
+          </a:p>
+          <a:p>
+            <a:endParaRPr lang="en-US" sz="1200" dirty="0">
+              <a:ea typeface="Calibri"/>
+              <a:cs typeface="Calibri"/>
+            </a:endParaRPr>
+          </a:p>
+          <a:p>
+            <a:r>
+              <a:rPr lang="en-US" sz="1200" b="1" dirty="0">
+                <a:ea typeface="Calibri"/>
+                <a:cs typeface="Calibri"/>
+                <a:hlinkClick r:id="rId15"/>
+              </a:rPr>
+              <a:t>Multispecies quality analysis</a:t>
+            </a:r>
+            <a:r>
+              <a:rPr lang="en-US" sz="1200" b="1" dirty="0">
+                <a:ea typeface="Calibri"/>
+                <a:cs typeface="Calibri"/>
+              </a:rPr>
+              <a:t>: </a:t>
+            </a:r>
+            <a:r>
+              <a:rPr lang="en-US" sz="1200" dirty="0">
+                <a:ea typeface="Calibri"/>
+                <a:cs typeface="Calibri"/>
+              </a:rPr>
+              <a:t>Run a chlorine decay quality analysis using advanced MSX features</a:t>
+            </a:r>
           </a:p>
         </p:txBody>
       </p:sp>
@@ -3993,7 +4683,7 @@
         </p:nvSpPr>
         <p:spPr>
           <a:xfrm>
-            <a:off x="316559" y="6087605"/>
+            <a:off x="221645" y="6092877"/>
             <a:ext cx="3199036" cy="400110"/>
           </a:xfrm>
           <a:prstGeom prst="rect">
@@ -4033,7 +4723,7 @@
         </p:nvSpPr>
         <p:spPr>
           <a:xfrm>
-            <a:off x="3917960" y="5758790"/>
+            <a:off x="4077531" y="6393214"/>
             <a:ext cx="3199036" cy="400110"/>
           </a:xfrm>
           <a:prstGeom prst="rect">
@@ -4042,7 +4732,7 @@
           <a:noFill/>
         </p:spPr>
         <p:txBody>
-          <a:bodyPr wrap="square" rtlCol="0">
+          <a:bodyPr wrap="square" lIns="91440" tIns="45720" rIns="91440" bIns="45720" rtlCol="0" anchor="t">
             <a:spAutoFit/>
           </a:bodyPr>
           <a:lstStyle/>
@@ -4056,98 +4746,6 @@
               </a:rPr>
               <a:t>Landslide and salt water intrusion tutorials use geospatial hazard maps to define disruption scenarios</a:t>
             </a:r>
-          </a:p>
-        </p:txBody>
-      </p:sp>
-      <p:sp>
-        <p:nvSpPr>
-          <p:cNvPr id="19" name="Rectangle 18">
-            <a:extLst>
-              <a:ext uri="{FF2B5EF4-FFF2-40B4-BE49-F238E27FC236}">
-                <a16:creationId xmlns:a16="http://schemas.microsoft.com/office/drawing/2014/main" id="{023F194D-E152-F303-97FD-AFD4CD255D3E}"/>
-              </a:ext>
-            </a:extLst>
-          </p:cNvPr>
-          <p:cNvSpPr/>
-          <p:nvPr/>
-        </p:nvSpPr>
-        <p:spPr>
-          <a:xfrm>
-            <a:off x="3955578" y="6206640"/>
-            <a:ext cx="2414232" cy="2052714"/>
-          </a:xfrm>
-          <a:prstGeom prst="rect">
-            <a:avLst/>
-          </a:prstGeom>
-        </p:spPr>
-        <p:style>
-          <a:lnRef idx="2">
-            <a:schemeClr val="accent1">
-              <a:shade val="15000"/>
-            </a:schemeClr>
-          </a:lnRef>
-          <a:fillRef idx="1">
-            <a:schemeClr val="accent1"/>
-          </a:fillRef>
-          <a:effectRef idx="0">
-            <a:schemeClr val="accent1"/>
-          </a:effectRef>
-          <a:fontRef idx="minor">
-            <a:schemeClr val="lt1"/>
-          </a:fontRef>
-        </p:style>
-        <p:txBody>
-          <a:bodyPr rtlCol="0" anchor="ctr"/>
-          <a:lstStyle/>
-          <a:p>
-            <a:pPr algn="ctr"/>
-            <a:endParaRPr lang="en-US"/>
-          </a:p>
-        </p:txBody>
-      </p:sp>
-      <p:sp>
-        <p:nvSpPr>
-          <p:cNvPr id="20" name="Rectangle 19">
-            <a:extLst>
-              <a:ext uri="{FF2B5EF4-FFF2-40B4-BE49-F238E27FC236}">
-                <a16:creationId xmlns:a16="http://schemas.microsoft.com/office/drawing/2014/main" id="{368BDECF-225E-B256-90BA-31EEE73C0C1A}"/>
-              </a:ext>
-            </a:extLst>
-          </p:cNvPr>
-          <p:cNvSpPr/>
-          <p:nvPr/>
-        </p:nvSpPr>
-        <p:spPr>
-          <a:xfrm>
-            <a:off x="5009918" y="6893890"/>
-            <a:ext cx="2414232" cy="2052714"/>
-          </a:xfrm>
-          <a:prstGeom prst="rect">
-            <a:avLst/>
-          </a:prstGeom>
-        </p:spPr>
-        <p:style>
-          <a:lnRef idx="2">
-            <a:schemeClr val="accent1">
-              <a:shade val="15000"/>
-            </a:schemeClr>
-          </a:lnRef>
-          <a:fillRef idx="1">
-            <a:schemeClr val="accent1"/>
-          </a:fillRef>
-          <a:effectRef idx="0">
-            <a:schemeClr val="accent1"/>
-          </a:effectRef>
-          <a:fontRef idx="minor">
-            <a:schemeClr val="lt1"/>
-          </a:fontRef>
-        </p:style>
-        <p:txBody>
-          <a:bodyPr rtlCol="0" anchor="ctr"/>
-          <a:lstStyle/>
-          <a:p>
-            <a:pPr algn="ctr"/>
-            <a:endParaRPr lang="en-US"/>
           </a:p>
         </p:txBody>
       </p:sp>
@@ -4165,7 +4763,7 @@
         </p:nvSpPr>
         <p:spPr>
           <a:xfrm>
-            <a:off x="3736494" y="9129455"/>
+            <a:off x="3768305" y="9267387"/>
             <a:ext cx="3823158" cy="276999"/>
           </a:xfrm>
           <a:prstGeom prst="rect">
@@ -4185,7 +4783,7 @@
             </a:r>
             <a:r>
               <a:rPr lang="en-US" sz="1200" dirty="0">
-                <a:hlinkClick r:id="rId11"/>
+                <a:hlinkClick r:id="rId16"/>
               </a:rPr>
               <a:t>https://usepa.github.io/WNTR/</a:t>
             </a:r>
@@ -4193,10 +4791,524 @@
           </a:p>
         </p:txBody>
       </p:sp>
+      <p:pic>
+        <p:nvPicPr>
+          <p:cNvPr id="8" name="Picture 7">
+            <a:extLst>
+              <a:ext uri="{FF2B5EF4-FFF2-40B4-BE49-F238E27FC236}">
+                <a16:creationId xmlns:a16="http://schemas.microsoft.com/office/drawing/2014/main" id="{B45002CB-F2D3-0187-4C80-7A8A3AEA6D7B}"/>
+              </a:ext>
+            </a:extLst>
+          </p:cNvPr>
+          <p:cNvPicPr>
+            <a:picLocks noChangeAspect="1"/>
+          </p:cNvPicPr>
+          <p:nvPr/>
+        </p:nvPicPr>
+        <p:blipFill>
+          <a:blip r:embed="rId17"/>
+          <a:stretch>
+            <a:fillRect/>
+          </a:stretch>
+        </p:blipFill>
+        <p:spPr>
+          <a:xfrm>
+            <a:off x="4913522" y="6792103"/>
+            <a:ext cx="2557911" cy="1197772"/>
+          </a:xfrm>
+          <a:prstGeom prst="rect">
+            <a:avLst/>
+          </a:prstGeom>
+          <a:ln>
+            <a:solidFill>
+              <a:schemeClr val="tx1"/>
+            </a:solidFill>
+          </a:ln>
+        </p:spPr>
+      </p:pic>
+      <p:pic>
+        <p:nvPicPr>
+          <p:cNvPr id="6" name="Picture 5">
+            <a:extLst>
+              <a:ext uri="{FF2B5EF4-FFF2-40B4-BE49-F238E27FC236}">
+                <a16:creationId xmlns:a16="http://schemas.microsoft.com/office/drawing/2014/main" id="{B03A2B95-3D44-6A8B-3F50-D6119D8E09C8}"/>
+              </a:ext>
+            </a:extLst>
+          </p:cNvPr>
+          <p:cNvPicPr>
+            <a:picLocks noChangeAspect="1"/>
+          </p:cNvPicPr>
+          <p:nvPr/>
+        </p:nvPicPr>
+        <p:blipFill>
+          <a:blip r:embed="rId18"/>
+          <a:stretch>
+            <a:fillRect/>
+          </a:stretch>
+        </p:blipFill>
+        <p:spPr>
+          <a:xfrm>
+            <a:off x="4088021" y="7751403"/>
+            <a:ext cx="1830219" cy="1416129"/>
+          </a:xfrm>
+          <a:prstGeom prst="rect">
+            <a:avLst/>
+          </a:prstGeom>
+          <a:ln w="12700">
+            <a:solidFill>
+              <a:schemeClr val="tx1"/>
+            </a:solidFill>
+          </a:ln>
+        </p:spPr>
+      </p:pic>
+      <p:sp>
+        <p:nvSpPr>
+          <p:cNvPr id="2" name="TextBox 1">
+            <a:extLst>
+              <a:ext uri="{FF2B5EF4-FFF2-40B4-BE49-F238E27FC236}">
+                <a16:creationId xmlns:a16="http://schemas.microsoft.com/office/drawing/2014/main" id="{270B481F-25BD-816E-E2DA-DD667C063A2A}"/>
+              </a:ext>
+            </a:extLst>
+          </p:cNvPr>
+          <p:cNvSpPr txBox="1"/>
+          <p:nvPr/>
+        </p:nvSpPr>
+        <p:spPr>
+          <a:xfrm>
+            <a:off x="3363384" y="6886594"/>
+            <a:ext cx="1642532" cy="861774"/>
+          </a:xfrm>
+          <a:prstGeom prst="rect">
+            <a:avLst/>
+          </a:prstGeom>
+          <a:noFill/>
+        </p:spPr>
+        <p:txBody>
+          <a:bodyPr rot="0" spcFirstLastPara="0" vertOverflow="overflow" horzOverflow="overflow" vert="horz" wrap="square" lIns="91440" tIns="45720" rIns="91440" bIns="45720" numCol="1" spcCol="0" rtlCol="0" fromWordArt="0" anchor="t" anchorCtr="0" forceAA="0" compatLnSpc="1">
+            <a:prstTxWarp prst="textNoShape">
+              <a:avLst/>
+            </a:prstTxWarp>
+            <a:spAutoFit/>
+          </a:bodyPr>
+          <a:lstStyle/>
+          <a:p>
+            <a:r>
+              <a:rPr lang="en-US" sz="1000" dirty="0">
+                <a:ea typeface="Calibri"/>
+                <a:cs typeface="Calibri"/>
+              </a:rPr>
+              <a:t>Figure 2: Storm surge data layers are intersected with the junctions of a model to develop salt water intrusion scenarios.</a:t>
+            </a:r>
+          </a:p>
+        </p:txBody>
+      </p:sp>
+      <p:sp>
+        <p:nvSpPr>
+          <p:cNvPr id="7" name="TextBox 6">
+            <a:extLst>
+              <a:ext uri="{FF2B5EF4-FFF2-40B4-BE49-F238E27FC236}">
+                <a16:creationId xmlns:a16="http://schemas.microsoft.com/office/drawing/2014/main" id="{9C529F06-43F0-7CC0-1B28-35624C5C7924}"/>
+              </a:ext>
+            </a:extLst>
+          </p:cNvPr>
+          <p:cNvSpPr txBox="1"/>
+          <p:nvPr/>
+        </p:nvSpPr>
+        <p:spPr>
+          <a:xfrm>
+            <a:off x="273926" y="8618771"/>
+            <a:ext cx="3149600" cy="707886"/>
+          </a:xfrm>
+          <a:prstGeom prst="rect">
+            <a:avLst/>
+          </a:prstGeom>
+          <a:noFill/>
+        </p:spPr>
+        <p:txBody>
+          <a:bodyPr rot="0" spcFirstLastPara="0" vertOverflow="overflow" horzOverflow="overflow" vert="horz" wrap="square" lIns="91440" tIns="45720" rIns="91440" bIns="45720" numCol="1" spcCol="0" rtlCol="0" fromWordArt="0" anchor="t" anchorCtr="0" forceAA="0" compatLnSpc="1">
+            <a:prstTxWarp prst="textNoShape">
+              <a:avLst/>
+            </a:prstTxWarp>
+            <a:spAutoFit/>
+          </a:bodyPr>
+          <a:lstStyle/>
+          <a:p>
+            <a:r>
+              <a:rPr lang="en-US" sz="1000" dirty="0">
+                <a:ea typeface="Calibri"/>
+                <a:cs typeface="Calibri"/>
+              </a:rPr>
+              <a:t>Figure 1: Water distribution system pipe databases often lack the connectivity necessary to easily create a model (blue lines). WNTR provides functions creating connected networks from imperfect pipe data (red lines).</a:t>
+            </a:r>
+          </a:p>
+        </p:txBody>
+      </p:sp>
+      <p:sp>
+        <p:nvSpPr>
+          <p:cNvPr id="10" name="TextBox 9">
+            <a:extLst>
+              <a:ext uri="{FF2B5EF4-FFF2-40B4-BE49-F238E27FC236}">
+                <a16:creationId xmlns:a16="http://schemas.microsoft.com/office/drawing/2014/main" id="{80C98A58-8E4B-31D3-27CF-562D379AC8B2}"/>
+              </a:ext>
+            </a:extLst>
+          </p:cNvPr>
+          <p:cNvSpPr txBox="1"/>
+          <p:nvPr/>
+        </p:nvSpPr>
+        <p:spPr>
+          <a:xfrm>
+            <a:off x="5920316" y="8077200"/>
+            <a:ext cx="1566333" cy="1169551"/>
+          </a:xfrm>
+          <a:prstGeom prst="rect">
+            <a:avLst/>
+          </a:prstGeom>
+          <a:noFill/>
+        </p:spPr>
+        <p:txBody>
+          <a:bodyPr rot="0" spcFirstLastPara="0" vertOverflow="overflow" horzOverflow="overflow" vert="horz" wrap="square" lIns="91440" tIns="45720" rIns="91440" bIns="45720" numCol="1" spcCol="0" rtlCol="0" fromWordArt="0" anchor="t" anchorCtr="0" forceAA="0" compatLnSpc="1">
+            <a:prstTxWarp prst="textNoShape">
+              <a:avLst/>
+            </a:prstTxWarp>
+            <a:spAutoFit/>
+          </a:bodyPr>
+          <a:lstStyle/>
+          <a:p>
+            <a:r>
+              <a:rPr lang="en-US" sz="1000" dirty="0">
+                <a:ea typeface="+mn-lt"/>
+                <a:cs typeface="+mn-lt"/>
+              </a:rPr>
+              <a:t>Figure 3: Landslide data is used to identify potential regions of disruption which are intersected with nearby pipes to determine system damage for each scenario.</a:t>
+            </a:r>
+            <a:endParaRPr lang="en-US" dirty="0"/>
+          </a:p>
+        </p:txBody>
+      </p:sp>
+      <p:pic>
+        <p:nvPicPr>
+          <p:cNvPr id="9" name="Picture 8">
+            <a:extLst>
+              <a:ext uri="{FF2B5EF4-FFF2-40B4-BE49-F238E27FC236}">
+                <a16:creationId xmlns:a16="http://schemas.microsoft.com/office/drawing/2014/main" id="{BBF0A6DD-CDAE-F87C-8BB8-AD477F42A7FA}"/>
+              </a:ext>
+            </a:extLst>
+          </p:cNvPr>
+          <p:cNvPicPr>
+            <a:picLocks noChangeAspect="1"/>
+          </p:cNvPicPr>
+          <p:nvPr/>
+        </p:nvPicPr>
+        <p:blipFill>
+          <a:blip r:embed="rId19"/>
+          <a:stretch>
+            <a:fillRect/>
+          </a:stretch>
+        </p:blipFill>
+        <p:spPr>
+          <a:xfrm>
+            <a:off x="363785" y="6445197"/>
+            <a:ext cx="2923409" cy="2130061"/>
+          </a:xfrm>
+          <a:prstGeom prst="rect">
+            <a:avLst/>
+          </a:prstGeom>
+        </p:spPr>
+      </p:pic>
     </p:spTree>
     <p:extLst>
       <p:ext uri="{BB962C8B-B14F-4D97-AF65-F5344CB8AC3E}">
         <p14:creationId xmlns:p14="http://schemas.microsoft.com/office/powerpoint/2010/main" val="561752910"/>
+      </p:ext>
+    </p:extLst>
+  </p:cSld>
+  <p:clrMapOvr>
+    <a:masterClrMapping/>
+  </p:clrMapOvr>
+  <p:extLst>
+    <p:ext uri="{6950BFC3-D8DA-4A85-94F7-54DA5524770B}">
+      <p188:commentRel xmlns:p188="http://schemas.microsoft.com/office/powerpoint/2018/8/main" r:id="rId2"/>
+    </p:ext>
+  </p:extLst>
+</p:sld>
+</file>
+
+<file path=ppt/slides/slide2.xml><?xml version="1.0" encoding="utf-8"?>
+<p:sld xmlns:a="http://schemas.openxmlformats.org/drawingml/2006/main" xmlns:r="http://schemas.openxmlformats.org/officeDocument/2006/relationships" xmlns:p="http://schemas.openxmlformats.org/presentationml/2006/main">
+  <p:cSld>
+    <p:spTree>
+      <p:nvGrpSpPr>
+        <p:cNvPr id="1" name=""/>
+        <p:cNvGrpSpPr/>
+        <p:nvPr/>
+      </p:nvGrpSpPr>
+      <p:grpSpPr>
+        <a:xfrm>
+          <a:off x="0" y="0"/>
+          <a:ext cx="0" cy="0"/>
+          <a:chOff x="0" y="0"/>
+          <a:chExt cx="0" cy="0"/>
+        </a:xfrm>
+      </p:grpSpPr>
+      <p:pic>
+        <p:nvPicPr>
+          <p:cNvPr id="5" name="Picture 4">
+            <a:extLst>
+              <a:ext uri="{FF2B5EF4-FFF2-40B4-BE49-F238E27FC236}">
+                <a16:creationId xmlns:a16="http://schemas.microsoft.com/office/drawing/2014/main" id="{AC15EF5B-3DCF-E44F-5504-171EBC095E59}"/>
+              </a:ext>
+            </a:extLst>
+          </p:cNvPr>
+          <p:cNvPicPr>
+            <a:picLocks noChangeAspect="1"/>
+          </p:cNvPicPr>
+          <p:nvPr/>
+        </p:nvPicPr>
+        <p:blipFill>
+          <a:blip r:embed="rId2"/>
+          <a:stretch>
+            <a:fillRect/>
+          </a:stretch>
+        </p:blipFill>
+        <p:spPr>
+          <a:xfrm>
+            <a:off x="1205599" y="646831"/>
+            <a:ext cx="1998947" cy="1579414"/>
+          </a:xfrm>
+          <a:prstGeom prst="rect">
+            <a:avLst/>
+          </a:prstGeom>
+          <a:ln w="12700">
+            <a:solidFill>
+              <a:schemeClr val="tx1"/>
+            </a:solidFill>
+          </a:ln>
+        </p:spPr>
+      </p:pic>
+      <p:pic>
+        <p:nvPicPr>
+          <p:cNvPr id="7" name="Picture 6">
+            <a:extLst>
+              <a:ext uri="{FF2B5EF4-FFF2-40B4-BE49-F238E27FC236}">
+                <a16:creationId xmlns:a16="http://schemas.microsoft.com/office/drawing/2014/main" id="{806AA41F-C5E7-9328-C072-820883651435}"/>
+              </a:ext>
+            </a:extLst>
+          </p:cNvPr>
+          <p:cNvPicPr>
+            <a:picLocks noChangeAspect="1"/>
+          </p:cNvPicPr>
+          <p:nvPr/>
+        </p:nvPicPr>
+        <p:blipFill>
+          <a:blip r:embed="rId3"/>
+          <a:stretch>
+            <a:fillRect/>
+          </a:stretch>
+        </p:blipFill>
+        <p:spPr>
+          <a:xfrm>
+            <a:off x="3553925" y="863657"/>
+            <a:ext cx="3083783" cy="1834623"/>
+          </a:xfrm>
+          <a:prstGeom prst="rect">
+            <a:avLst/>
+          </a:prstGeom>
+          <a:ln w="12700">
+            <a:solidFill>
+              <a:schemeClr val="tx1"/>
+            </a:solidFill>
+          </a:ln>
+        </p:spPr>
+      </p:pic>
+      <p:pic>
+        <p:nvPicPr>
+          <p:cNvPr id="8" name="Picture 7">
+            <a:extLst>
+              <a:ext uri="{FF2B5EF4-FFF2-40B4-BE49-F238E27FC236}">
+                <a16:creationId xmlns:a16="http://schemas.microsoft.com/office/drawing/2014/main" id="{02733151-A88B-08FF-0CDD-D3512E954315}"/>
+              </a:ext>
+            </a:extLst>
+          </p:cNvPr>
+          <p:cNvPicPr>
+            <a:picLocks noChangeAspect="1"/>
+          </p:cNvPicPr>
+          <p:nvPr/>
+        </p:nvPicPr>
+        <p:blipFill>
+          <a:blip r:embed="rId4"/>
+          <a:stretch>
+            <a:fillRect/>
+          </a:stretch>
+        </p:blipFill>
+        <p:spPr>
+          <a:xfrm>
+            <a:off x="1840277" y="3112135"/>
+            <a:ext cx="5601842" cy="1994309"/>
+          </a:xfrm>
+          <a:prstGeom prst="rect">
+            <a:avLst/>
+          </a:prstGeom>
+        </p:spPr>
+      </p:pic>
+      <p:pic>
+        <p:nvPicPr>
+          <p:cNvPr id="2" name="Picture 1">
+            <a:extLst>
+              <a:ext uri="{FF2B5EF4-FFF2-40B4-BE49-F238E27FC236}">
+                <a16:creationId xmlns:a16="http://schemas.microsoft.com/office/drawing/2014/main" id="{8FB34C73-9EDB-CDD1-E52A-056B451D7FD8}"/>
+              </a:ext>
+            </a:extLst>
+          </p:cNvPr>
+          <p:cNvPicPr>
+            <a:picLocks noChangeAspect="1"/>
+          </p:cNvPicPr>
+          <p:nvPr/>
+        </p:nvPicPr>
+        <p:blipFill>
+          <a:blip r:embed="rId5"/>
+          <a:stretch>
+            <a:fillRect/>
+          </a:stretch>
+        </p:blipFill>
+        <p:spPr>
+          <a:xfrm>
+            <a:off x="2204233" y="2606376"/>
+            <a:ext cx="3408036" cy="1566653"/>
+          </a:xfrm>
+          <a:prstGeom prst="rect">
+            <a:avLst/>
+          </a:prstGeom>
+          <a:ln>
+            <a:solidFill>
+              <a:schemeClr val="tx1"/>
+            </a:solidFill>
+          </a:ln>
+        </p:spPr>
+      </p:pic>
+      <p:pic>
+        <p:nvPicPr>
+          <p:cNvPr id="3" name="Picture 2">
+            <a:extLst>
+              <a:ext uri="{FF2B5EF4-FFF2-40B4-BE49-F238E27FC236}">
+                <a16:creationId xmlns:a16="http://schemas.microsoft.com/office/drawing/2014/main" id="{0D6A40BD-FBF9-3DB2-B539-2CA9C6FF5FDA}"/>
+              </a:ext>
+            </a:extLst>
+          </p:cNvPr>
+          <p:cNvPicPr>
+            <a:picLocks noChangeAspect="1"/>
+          </p:cNvPicPr>
+          <p:nvPr/>
+        </p:nvPicPr>
+        <p:blipFill>
+          <a:blip r:embed="rId6"/>
+          <a:stretch>
+            <a:fillRect/>
+          </a:stretch>
+        </p:blipFill>
+        <p:spPr>
+          <a:xfrm>
+            <a:off x="1206227" y="5105549"/>
+            <a:ext cx="2609357" cy="1623863"/>
+          </a:xfrm>
+          <a:prstGeom prst="rect">
+            <a:avLst/>
+          </a:prstGeom>
+        </p:spPr>
+      </p:pic>
+      <p:pic>
+        <p:nvPicPr>
+          <p:cNvPr id="6" name="Picture 5">
+            <a:extLst>
+              <a:ext uri="{FF2B5EF4-FFF2-40B4-BE49-F238E27FC236}">
+                <a16:creationId xmlns:a16="http://schemas.microsoft.com/office/drawing/2014/main" id="{B97A8565-EAE3-3C79-2375-C4A9C6846769}"/>
+              </a:ext>
+            </a:extLst>
+          </p:cNvPr>
+          <p:cNvPicPr>
+            <a:picLocks noChangeAspect="1"/>
+          </p:cNvPicPr>
+          <p:nvPr/>
+        </p:nvPicPr>
+        <p:blipFill>
+          <a:blip r:embed="rId7"/>
+          <a:stretch>
+            <a:fillRect/>
+          </a:stretch>
+        </p:blipFill>
+        <p:spPr>
+          <a:xfrm>
+            <a:off x="4398947" y="5609284"/>
+            <a:ext cx="1813445" cy="2236110"/>
+          </a:xfrm>
+          <a:prstGeom prst="rect">
+            <a:avLst/>
+          </a:prstGeom>
+        </p:spPr>
+      </p:pic>
+      <p:pic>
+        <p:nvPicPr>
+          <p:cNvPr id="4" name="Picture 3">
+            <a:extLst>
+              <a:ext uri="{FF2B5EF4-FFF2-40B4-BE49-F238E27FC236}">
+                <a16:creationId xmlns:a16="http://schemas.microsoft.com/office/drawing/2014/main" id="{94CD882E-9B78-724D-6074-C703B579ECFF}"/>
+              </a:ext>
+            </a:extLst>
+          </p:cNvPr>
+          <p:cNvPicPr>
+            <a:picLocks noChangeAspect="1"/>
+          </p:cNvPicPr>
+          <p:nvPr/>
+        </p:nvPicPr>
+        <p:blipFill>
+          <a:blip r:embed="rId8"/>
+          <a:stretch>
+            <a:fillRect/>
+          </a:stretch>
+        </p:blipFill>
+        <p:spPr>
+          <a:xfrm>
+            <a:off x="1470264" y="6957135"/>
+            <a:ext cx="3461702" cy="2510335"/>
+          </a:xfrm>
+          <a:prstGeom prst="rect">
+            <a:avLst/>
+          </a:prstGeom>
+        </p:spPr>
+      </p:pic>
+      <p:pic>
+        <p:nvPicPr>
+          <p:cNvPr id="9" name="Picture 8">
+            <a:extLst>
+              <a:ext uri="{FF2B5EF4-FFF2-40B4-BE49-F238E27FC236}">
+                <a16:creationId xmlns:a16="http://schemas.microsoft.com/office/drawing/2014/main" id="{EA55E7EA-CE9B-FFCB-3B7B-E7A37908DFAE}"/>
+              </a:ext>
+            </a:extLst>
+          </p:cNvPr>
+          <p:cNvPicPr>
+            <a:picLocks noChangeAspect="1"/>
+          </p:cNvPicPr>
+          <p:nvPr/>
+        </p:nvPicPr>
+        <p:blipFill>
+          <a:blip r:embed="rId9"/>
+          <a:stretch>
+            <a:fillRect/>
+          </a:stretch>
+        </p:blipFill>
+        <p:spPr>
+          <a:xfrm>
+            <a:off x="2375630" y="4138612"/>
+            <a:ext cx="3018336" cy="1781175"/>
+          </a:xfrm>
+          <a:prstGeom prst="rect">
+            <a:avLst/>
+          </a:prstGeom>
+        </p:spPr>
+      </p:pic>
+    </p:spTree>
+    <p:extLst>
+      <p:ext uri="{BB962C8B-B14F-4D97-AF65-F5344CB8AC3E}">
+        <p14:creationId xmlns:p14="http://schemas.microsoft.com/office/powerpoint/2010/main" val="2651135960"/>
       </p:ext>
     </p:extLst>
   </p:cSld>
@@ -4468,16 +5580,270 @@
 </file>
 
 <file path=customXml/item1.xml><?xml version="1.0" encoding="utf-8"?>
+<p:properties xmlns:p="http://schemas.microsoft.com/office/2006/metadata/properties" xmlns:xsi="http://www.w3.org/2001/XMLSchema-instance" xmlns:pc="http://schemas.microsoft.com/office/infopath/2007/PartnerControls">
+  <documentManagement/>
+</p:properties>
+</file>
+
+<file path=customXml/item2.xml><?xml version="1.0" encoding="utf-8"?>
 <EsriMapsInfo xmlns="ESRI.ArcGIS.Mapping.OfficeIntegration.PowerPointInfo">
   <Version>Version1</Version>
   <RequiresSignIn>False</RequiresSignIn>
 </EsriMapsInfo>
 </file>
 
+<file path=customXml/item3.xml><?xml version="1.0" encoding="utf-8"?>
+<ct:contentTypeSchema xmlns:ct="http://schemas.microsoft.com/office/2006/metadata/contentType" xmlns:ma="http://schemas.microsoft.com/office/2006/metadata/properties/metaAttributes" ct:_="" ma:_="" ma:contentTypeName="Document" ma:contentTypeID="0x010100AC28686FBD4338489595DD7413329EE0" ma:contentTypeVersion="10" ma:contentTypeDescription="Create a new document." ma:contentTypeScope="" ma:versionID="efe20889d221db7351fa9f9f793f0500">
+  <xsd:schema xmlns:xsd="http://www.w3.org/2001/XMLSchema" xmlns:xs="http://www.w3.org/2001/XMLSchema" xmlns:p="http://schemas.microsoft.com/office/2006/metadata/properties" xmlns:ns2="d50414f6-37ad-4088-828c-17732dfcb590" xmlns:ns3="b6537b32-d7a3-445d-a13e-f5ee99b6d44a" targetNamespace="http://schemas.microsoft.com/office/2006/metadata/properties" ma:root="true" ma:fieldsID="b74ad9af483442c1d01e11d21c2dc391" ns2:_="" ns3:_="">
+    <xsd:import namespace="d50414f6-37ad-4088-828c-17732dfcb590"/>
+    <xsd:import namespace="b6537b32-d7a3-445d-a13e-f5ee99b6d44a"/>
+    <xsd:element name="properties">
+      <xsd:complexType>
+        <xsd:sequence>
+          <xsd:element name="documentManagement">
+            <xsd:complexType>
+              <xsd:all>
+                <xsd:element ref="ns2:MediaServiceMetadata" minOccurs="0"/>
+                <xsd:element ref="ns2:MediaServiceFastMetadata" minOccurs="0"/>
+                <xsd:element ref="ns2:MediaServiceAutoTags" minOccurs="0"/>
+                <xsd:element ref="ns2:MediaServiceGenerationTime" minOccurs="0"/>
+                <xsd:element ref="ns2:MediaServiceEventHashCode" minOccurs="0"/>
+                <xsd:element ref="ns2:MediaServiceOCR" minOccurs="0"/>
+                <xsd:element ref="ns2:MediaServiceObjectDetectorVersions" minOccurs="0"/>
+                <xsd:element ref="ns2:MediaServiceSearchProperties" minOccurs="0"/>
+                <xsd:element ref="ns3:SharedWithUsers" minOccurs="0"/>
+                <xsd:element ref="ns3:SharedWithDetails" minOccurs="0"/>
+              </xsd:all>
+            </xsd:complexType>
+          </xsd:element>
+        </xsd:sequence>
+      </xsd:complexType>
+    </xsd:element>
+  </xsd:schema>
+  <xsd:schema xmlns:xsd="http://www.w3.org/2001/XMLSchema" xmlns:xs="http://www.w3.org/2001/XMLSchema" xmlns:dms="http://schemas.microsoft.com/office/2006/documentManagement/types" xmlns:pc="http://schemas.microsoft.com/office/infopath/2007/PartnerControls" targetNamespace="d50414f6-37ad-4088-828c-17732dfcb590" elementFormDefault="qualified">
+    <xsd:import namespace="http://schemas.microsoft.com/office/2006/documentManagement/types"/>
+    <xsd:import namespace="http://schemas.microsoft.com/office/infopath/2007/PartnerControls"/>
+    <xsd:element name="MediaServiceMetadata" ma:index="8" nillable="true" ma:displayName="MediaServiceMetadata" ma:hidden="true" ma:internalName="MediaServiceMetadata" ma:readOnly="true">
+      <xsd:simpleType>
+        <xsd:restriction base="dms:Note"/>
+      </xsd:simpleType>
+    </xsd:element>
+    <xsd:element name="MediaServiceFastMetadata" ma:index="9" nillable="true" ma:displayName="MediaServiceFastMetadata" ma:hidden="true" ma:internalName="MediaServiceFastMetadata" ma:readOnly="true">
+      <xsd:simpleType>
+        <xsd:restriction base="dms:Note"/>
+      </xsd:simpleType>
+    </xsd:element>
+    <xsd:element name="MediaServiceAutoTags" ma:index="10" nillable="true" ma:displayName="Tags" ma:internalName="MediaServiceAutoTags" ma:readOnly="true">
+      <xsd:simpleType>
+        <xsd:restriction base="dms:Text"/>
+      </xsd:simpleType>
+    </xsd:element>
+    <xsd:element name="MediaServiceGenerationTime" ma:index="11" nillable="true" ma:displayName="MediaServiceGenerationTime" ma:hidden="true" ma:internalName="MediaServiceGenerationTime" ma:readOnly="true">
+      <xsd:simpleType>
+        <xsd:restriction base="dms:Text"/>
+      </xsd:simpleType>
+    </xsd:element>
+    <xsd:element name="MediaServiceEventHashCode" ma:index="12" nillable="true" ma:displayName="MediaServiceEventHashCode" ma:hidden="true" ma:internalName="MediaServiceEventHashCode" ma:readOnly="true">
+      <xsd:simpleType>
+        <xsd:restriction base="dms:Text"/>
+      </xsd:simpleType>
+    </xsd:element>
+    <xsd:element name="MediaServiceOCR" ma:index="13" nillable="true" ma:displayName="Extracted Text" ma:internalName="MediaServiceOCR" ma:readOnly="true">
+      <xsd:simpleType>
+        <xsd:restriction base="dms:Note">
+          <xsd:maxLength value="255"/>
+        </xsd:restriction>
+      </xsd:simpleType>
+    </xsd:element>
+    <xsd:element name="MediaServiceObjectDetectorVersions" ma:index="14" nillable="true" ma:displayName="MediaServiceObjectDetectorVersions" ma:hidden="true" ma:indexed="true" ma:internalName="MediaServiceObjectDetectorVersions" ma:readOnly="true">
+      <xsd:simpleType>
+        <xsd:restriction base="dms:Text"/>
+      </xsd:simpleType>
+    </xsd:element>
+    <xsd:element name="MediaServiceSearchProperties" ma:index="15" nillable="true" ma:displayName="MediaServiceSearchProperties" ma:hidden="true" ma:internalName="MediaServiceSearchProperties" ma:readOnly="true">
+      <xsd:simpleType>
+        <xsd:restriction base="dms:Note"/>
+      </xsd:simpleType>
+    </xsd:element>
+  </xsd:schema>
+  <xsd:schema xmlns:xsd="http://www.w3.org/2001/XMLSchema" xmlns:xs="http://www.w3.org/2001/XMLSchema" xmlns:dms="http://schemas.microsoft.com/office/2006/documentManagement/types" xmlns:pc="http://schemas.microsoft.com/office/infopath/2007/PartnerControls" targetNamespace="b6537b32-d7a3-445d-a13e-f5ee99b6d44a" elementFormDefault="qualified">
+    <xsd:import namespace="http://schemas.microsoft.com/office/2006/documentManagement/types"/>
+    <xsd:import namespace="http://schemas.microsoft.com/office/infopath/2007/PartnerControls"/>
+    <xsd:element name="SharedWithUsers" ma:index="16" nillable="true" ma:displayName="Shared With" ma:internalName="SharedWithUsers" ma:readOnly="true">
+      <xsd:complexType>
+        <xsd:complexContent>
+          <xsd:extension base="dms:UserMulti">
+            <xsd:sequence>
+              <xsd:element name="UserInfo" minOccurs="0" maxOccurs="unbounded">
+                <xsd:complexType>
+                  <xsd:sequence>
+                    <xsd:element name="DisplayName" type="xsd:string" minOccurs="0"/>
+                    <xsd:element name="AccountId" type="dms:UserId" minOccurs="0" nillable="true"/>
+                    <xsd:element name="AccountType" type="xsd:string" minOccurs="0"/>
+                  </xsd:sequence>
+                </xsd:complexType>
+              </xsd:element>
+            </xsd:sequence>
+          </xsd:extension>
+        </xsd:complexContent>
+      </xsd:complexType>
+    </xsd:element>
+    <xsd:element name="SharedWithDetails" ma:index="17" nillable="true" ma:displayName="Shared With Details" ma:internalName="SharedWithDetails" ma:readOnly="true">
+      <xsd:simpleType>
+        <xsd:restriction base="dms:Note">
+          <xsd:maxLength value="255"/>
+        </xsd:restriction>
+      </xsd:simpleType>
+    </xsd:element>
+  </xsd:schema>
+  <xsd:schema xmlns="http://schemas.openxmlformats.org/package/2006/metadata/core-properties" xmlns:xsd="http://www.w3.org/2001/XMLSchema" xmlns:xsi="http://www.w3.org/2001/XMLSchema-instance" xmlns:dc="http://purl.org/dc/elements/1.1/" xmlns:dcterms="http://purl.org/dc/terms/" xmlns:odoc="http://schemas.microsoft.com/internal/obd" targetNamespace="http://schemas.openxmlformats.org/package/2006/metadata/core-properties" elementFormDefault="qualified" attributeFormDefault="unqualified" blockDefault="#all">
+    <xsd:import namespace="http://purl.org/dc/elements/1.1/" schemaLocation="http://dublincore.org/schemas/xmls/qdc/2003/04/02/dc.xsd"/>
+    <xsd:import namespace="http://purl.org/dc/terms/" schemaLocation="http://dublincore.org/schemas/xmls/qdc/2003/04/02/dcterms.xsd"/>
+    <xsd:element name="coreProperties" type="CT_coreProperties"/>
+    <xsd:complexType name="CT_coreProperties">
+      <xsd:all>
+        <xsd:element ref="dc:creator" minOccurs="0" maxOccurs="1"/>
+        <xsd:element ref="dcterms:created" minOccurs="0" maxOccurs="1"/>
+        <xsd:element ref="dc:identifier" minOccurs="0" maxOccurs="1"/>
+        <xsd:element name="contentType" minOccurs="0" maxOccurs="1" type="xsd:string" ma:index="0" ma:displayName="Content Type"/>
+        <xsd:element ref="dc:title" minOccurs="0" maxOccurs="1" ma:index="4" ma:displayName="Title"/>
+        <xsd:element ref="dc:subject" minOccurs="0" maxOccurs="1"/>
+        <xsd:element ref="dc:description" minOccurs="0" maxOccurs="1"/>
+        <xsd:element name="keywords" minOccurs="0" maxOccurs="1" type="xsd:string"/>
+        <xsd:element ref="dc:language" minOccurs="0" maxOccurs="1"/>
+        <xsd:element name="category" minOccurs="0" maxOccurs="1" type="xsd:string"/>
+        <xsd:element name="version" minOccurs="0" maxOccurs="1" type="xsd:string"/>
+        <xsd:element name="revision" minOccurs="0" maxOccurs="1" type="xsd:string">
+          <xsd:annotation>
+            <xsd:documentation>
+                        This value indicates the number of saves or revisions. The application is responsible for updating this value after each revision.
+                    </xsd:documentation>
+          </xsd:annotation>
+        </xsd:element>
+        <xsd:element name="lastModifiedBy" minOccurs="0" maxOccurs="1" type="xsd:string"/>
+        <xsd:element ref="dcterms:modified" minOccurs="0" maxOccurs="1"/>
+        <xsd:element name="contentStatus" minOccurs="0" maxOccurs="1" type="xsd:string"/>
+      </xsd:all>
+    </xsd:complexType>
+  </xsd:schema>
+  <xs:schema xmlns:pc="http://schemas.microsoft.com/office/infopath/2007/PartnerControls" xmlns:xs="http://www.w3.org/2001/XMLSchema" targetNamespace="http://schemas.microsoft.com/office/infopath/2007/PartnerControls" elementFormDefault="qualified" attributeFormDefault="unqualified">
+    <xs:element name="Person">
+      <xs:complexType>
+        <xs:sequence>
+          <xs:element ref="pc:DisplayName" minOccurs="0"/>
+          <xs:element ref="pc:AccountId" minOccurs="0"/>
+          <xs:element ref="pc:AccountType" minOccurs="0"/>
+        </xs:sequence>
+      </xs:complexType>
+    </xs:element>
+    <xs:element name="DisplayName" type="xs:string"/>
+    <xs:element name="AccountId" type="xs:string"/>
+    <xs:element name="AccountType" type="xs:string"/>
+    <xs:element name="BDCAssociatedEntity">
+      <xs:complexType>
+        <xs:sequence>
+          <xs:element ref="pc:BDCEntity" minOccurs="0" maxOccurs="unbounded"/>
+        </xs:sequence>
+        <xs:attribute ref="pc:EntityNamespace"/>
+        <xs:attribute ref="pc:EntityName"/>
+        <xs:attribute ref="pc:SystemInstanceName"/>
+        <xs:attribute ref="pc:AssociationName"/>
+      </xs:complexType>
+    </xs:element>
+    <xs:attribute name="EntityNamespace" type="xs:string"/>
+    <xs:attribute name="EntityName" type="xs:string"/>
+    <xs:attribute name="SystemInstanceName" type="xs:string"/>
+    <xs:attribute name="AssociationName" type="xs:string"/>
+    <xs:element name="BDCEntity">
+      <xs:complexType>
+        <xs:sequence>
+          <xs:element ref="pc:EntityDisplayName" minOccurs="0"/>
+          <xs:element ref="pc:EntityInstanceReference" minOccurs="0"/>
+          <xs:element ref="pc:EntityId1" minOccurs="0"/>
+          <xs:element ref="pc:EntityId2" minOccurs="0"/>
+          <xs:element ref="pc:EntityId3" minOccurs="0"/>
+          <xs:element ref="pc:EntityId4" minOccurs="0"/>
+          <xs:element ref="pc:EntityId5" minOccurs="0"/>
+        </xs:sequence>
+      </xs:complexType>
+    </xs:element>
+    <xs:element name="EntityDisplayName" type="xs:string"/>
+    <xs:element name="EntityInstanceReference" type="xs:string"/>
+    <xs:element name="EntityId1" type="xs:string"/>
+    <xs:element name="EntityId2" type="xs:string"/>
+    <xs:element name="EntityId3" type="xs:string"/>
+    <xs:element name="EntityId4" type="xs:string"/>
+    <xs:element name="EntityId5" type="xs:string"/>
+    <xs:element name="Terms">
+      <xs:complexType>
+        <xs:sequence>
+          <xs:element ref="pc:TermInfo" minOccurs="0" maxOccurs="unbounded"/>
+        </xs:sequence>
+      </xs:complexType>
+    </xs:element>
+    <xs:element name="TermInfo">
+      <xs:complexType>
+        <xs:sequence>
+          <xs:element ref="pc:TermName" minOccurs="0"/>
+          <xs:element ref="pc:TermId" minOccurs="0"/>
+        </xs:sequence>
+      </xs:complexType>
+    </xs:element>
+    <xs:element name="TermName" type="xs:string"/>
+    <xs:element name="TermId" type="xs:string"/>
+  </xs:schema>
+</ct:contentTypeSchema>
+</file>
+
+<file path=customXml/item4.xml><?xml version="1.0" encoding="utf-8"?>
+<?mso-contentType ?>
+<FormTemplates xmlns="http://schemas.microsoft.com/sharepoint/v3/contenttype/forms">
+  <Display>DocumentLibraryForm</Display>
+  <Edit>DocumentLibraryForm</Edit>
+  <New>DocumentLibraryForm</New>
+</FormTemplates>
+</file>
+
 <file path=customXml/itemProps1.xml><?xml version="1.0" encoding="utf-8"?>
+<ds:datastoreItem xmlns:ds="http://schemas.openxmlformats.org/officeDocument/2006/customXml" ds:itemID="{706D2F57-9D23-4F12-9393-CCE686D76C5F}">
+  <ds:schemaRefs>
+    <ds:schemaRef ds:uri="http://schemas.microsoft.com/office/2006/metadata/properties"/>
+    <ds:schemaRef ds:uri="http://schemas.microsoft.com/office/infopath/2007/PartnerControls"/>
+  </ds:schemaRefs>
+</ds:datastoreItem>
+</file>
+
+<file path=customXml/itemProps2.xml><?xml version="1.0" encoding="utf-8"?>
 <ds:datastoreItem xmlns:ds="http://schemas.openxmlformats.org/officeDocument/2006/customXml" ds:itemID="{F820E9AF-8DED-4D17-80AC-2052DB1506D3}">
   <ds:schemaRefs>
     <ds:schemaRef ds:uri="ESRI.ArcGIS.Mapping.OfficeIntegration.PowerPointInfo"/>
   </ds:schemaRefs>
 </ds:datastoreItem>
+</file>
+
+<file path=customXml/itemProps3.xml><?xml version="1.0" encoding="utf-8"?>
+<ds:datastoreItem xmlns:ds="http://schemas.openxmlformats.org/officeDocument/2006/customXml" ds:itemID="{4825FCDC-2F9E-4CAB-869D-6056AB2B276C}">
+  <ds:schemaRefs>
+    <ds:schemaRef ds:uri="http://schemas.microsoft.com/office/2006/metadata/contentType"/>
+    <ds:schemaRef ds:uri="http://schemas.microsoft.com/office/2006/metadata/properties/metaAttributes"/>
+    <ds:schemaRef ds:uri="http://www.w3.org/2001/XMLSchema"/>
+    <ds:schemaRef ds:uri="http://schemas.microsoft.com/office/2006/metadata/properties"/>
+    <ds:schemaRef ds:uri="d50414f6-37ad-4088-828c-17732dfcb590"/>
+    <ds:schemaRef ds:uri="b6537b32-d7a3-445d-a13e-f5ee99b6d44a"/>
+    <ds:schemaRef ds:uri="http://schemas.microsoft.com/office/2006/documentManagement/types"/>
+    <ds:schemaRef ds:uri="http://schemas.microsoft.com/office/infopath/2007/PartnerControls"/>
+    <ds:schemaRef ds:uri="http://schemas.openxmlformats.org/package/2006/metadata/core-properties"/>
+    <ds:schemaRef ds:uri="http://purl.org/dc/elements/1.1/"/>
+    <ds:schemaRef ds:uri="http://purl.org/dc/terms/"/>
+    <ds:schemaRef ds:uri="http://schemas.microsoft.com/internal/obd"/>
+  </ds:schemaRefs>
+</ds:datastoreItem>
+</file>
+
+<file path=customXml/itemProps4.xml><?xml version="1.0" encoding="utf-8"?>
+<ds:datastoreItem xmlns:ds="http://schemas.openxmlformats.org/officeDocument/2006/customXml" ds:itemID="{50F7AA84-C36D-491A-A036-6A40FCF76D47}">
+  <ds:schemaRefs>
+    <ds:schemaRef ds:uri="http://schemas.microsoft.com/sharepoint/v3/contenttype/forms"/>
+  </ds:schemaRefs>
+</ds:datastoreItem>
 </file>
--- a/documentation/factsheets/WNTR_tutorials_factsheet.pptx
+++ b/documentation/factsheets/WNTR_tutorials_factsheet.pptx
@@ -6,7 +6,6 @@
   </p:sldMasterIdLst>
   <p:sldIdLst>
     <p:sldId id="257" r:id="rId6"/>
-    <p:sldId id="258" r:id="rId7"/>
   </p:sldIdLst>
   <p:sldSz cx="7772400" cy="10058400"/>
   <p:notesSz cx="7315200" cy="9601200"/>
@@ -737,71 +736,6 @@
 </pc:chgInfo>
 </file>
 
-<file path=ppt/comments/modernComment_101_217BAB4E.xml><?xml version="1.0" encoding="utf-8"?>
-<p188:cmLst xmlns:a="http://schemas.openxmlformats.org/drawingml/2006/main" xmlns:r="http://schemas.openxmlformats.org/officeDocument/2006/relationships" xmlns:p188="http://schemas.microsoft.com/office/powerpoint/2018/8/main">
-  <p188:cm id="{275C2C61-DA49-4694-A52E-27AB79852ED2}" authorId="{C68F20BD-5FE6-94EC-7D02-7E480943A96B}" created="2025-02-24T17:51:48.276">
-    <ac:txMkLst xmlns:ac="http://schemas.microsoft.com/office/drawing/2013/main/command">
-      <pc:docMk xmlns:pc="http://schemas.microsoft.com/office/powerpoint/2013/main/command"/>
-      <pc:sldMk xmlns:pc="http://schemas.microsoft.com/office/powerpoint/2013/main/command" cId="561752910" sldId="257"/>
-      <ac:spMk id="39" creationId="{00000000-0000-0000-0000-000000000000}"/>
-      <ac:txMk cp="0" len="44">
-        <ac:context len="854" hash="2724585501"/>
-      </ac:txMk>
-    </ac:txMkLst>
-    <p188:pos x="3070839" y="190580"/>
-    <p188:txBody>
-      <a:bodyPr/>
-      <a:lstStyle/>
-      <a:p>
-        <a:r>
-          <a:rPr lang="en-US"/>
-          <a:t>TODO update https://usepa.github.io/WNTR/examples.html#jupyter-notebook-examples
-page to include new tutorials.</a:t>
-        </a:r>
-      </a:p>
-    </p188:txBody>
-  </p188:cm>
-  <p188:cm id="{7A7E51F9-9E63-4C1A-B48F-3F5094FC34C1}" authorId="{C68F20BD-5FE6-94EC-7D02-7E480943A96B}" created="2025-02-24T17:53:27.340">
-    <ac:txMkLst xmlns:ac="http://schemas.microsoft.com/office/drawing/2013/main/command">
-      <pc:docMk xmlns:pc="http://schemas.microsoft.com/office/powerpoint/2013/main/command"/>
-      <pc:sldMk xmlns:pc="http://schemas.microsoft.com/office/powerpoint/2013/main/command" cId="561752910" sldId="257"/>
-      <ac:spMk id="39" creationId="{00000000-0000-0000-0000-000000000000}"/>
-      <ac:txMk cp="598" len="15">
-        <ac:context len="854" hash="2724585501"/>
-      </ac:txMk>
-    </ac:txMkLst>
-    <p188:pos x="1254808" y="1487584"/>
-    <p188:txBody>
-      <a:bodyPr/>
-      <a:lstStyle/>
-      <a:p>
-        <a:r>
-          <a:rPr lang="en-US"/>
-          <a:t>TODO adjust links once new tutorials are pulled into WNTR</a:t>
-        </a:r>
-      </a:p>
-    </p188:txBody>
-  </p188:cm>
-  <p188:cm id="{7407FB17-B088-4079-A8A0-26D1ADA954CC}" authorId="{C68F20BD-5FE6-94EC-7D02-7E480943A96B}" created="2025-02-24T17:53:58.419">
-    <ac:deMkLst xmlns:ac="http://schemas.microsoft.com/office/drawing/2013/main/command">
-      <pc:docMk xmlns:pc="http://schemas.microsoft.com/office/powerpoint/2013/main/command"/>
-      <pc:sldMk xmlns:pc="http://schemas.microsoft.com/office/powerpoint/2013/main/command" cId="561752910" sldId="257"/>
-      <ac:picMk id="12" creationId="{FD8B4872-C423-342A-1D7D-6FE2F7A06535}"/>
-    </ac:deMkLst>
-    <p188:txBody>
-      <a:bodyPr/>
-      <a:lstStyle/>
-      <a:p>
-        <a:r>
-          <a:rPr lang="en-US"/>
-          <a:t>Draft figure, waiting on updates to make disconnections clearer</a:t>
-        </a:r>
-      </a:p>
-    </p188:txBody>
-  </p188:cm>
-</p188:cmLst>
-</file>
-
 <file path=ppt/slideLayouts/slideLayout1.xml><?xml version="1.0" encoding="utf-8"?>
 <p:sldLayout xmlns:a="http://schemas.openxmlformats.org/drawingml/2006/main" xmlns:r="http://schemas.openxmlformats.org/officeDocument/2006/relationships" xmlns:p="http://schemas.openxmlformats.org/presentationml/2006/main" type="title" preserve="1">
   <p:cSld name="Title Slide">
@@ -933,7 +867,7 @@
           <a:p>
             <a:fld id="{78AFBD30-E760-4572-B462-738943907F1A}" type="datetimeFigureOut">
               <a:rPr lang="en-US" smtClean="0"/>
-              <a:t>3/4/2025</a:t>
+              <a:t>3/5/2025</a:t>
             </a:fld>
             <a:endParaRPr lang="en-US"/>
           </a:p>
@@ -1103,7 +1037,7 @@
           <a:p>
             <a:fld id="{78AFBD30-E760-4572-B462-738943907F1A}" type="datetimeFigureOut">
               <a:rPr lang="en-US" smtClean="0"/>
-              <a:t>3/4/2025</a:t>
+              <a:t>3/5/2025</a:t>
             </a:fld>
             <a:endParaRPr lang="en-US"/>
           </a:p>
@@ -1283,7 +1217,7 @@
           <a:p>
             <a:fld id="{78AFBD30-E760-4572-B462-738943907F1A}" type="datetimeFigureOut">
               <a:rPr lang="en-US" smtClean="0"/>
-              <a:t>3/4/2025</a:t>
+              <a:t>3/5/2025</a:t>
             </a:fld>
             <a:endParaRPr lang="en-US"/>
           </a:p>
@@ -1453,7 +1387,7 @@
           <a:p>
             <a:fld id="{78AFBD30-E760-4572-B462-738943907F1A}" type="datetimeFigureOut">
               <a:rPr lang="en-US" smtClean="0"/>
-              <a:t>3/4/2025</a:t>
+              <a:t>3/5/2025</a:t>
             </a:fld>
             <a:endParaRPr lang="en-US"/>
           </a:p>
@@ -1697,7 +1631,7 @@
           <a:p>
             <a:fld id="{78AFBD30-E760-4572-B462-738943907F1A}" type="datetimeFigureOut">
               <a:rPr lang="en-US" smtClean="0"/>
-              <a:t>3/4/2025</a:t>
+              <a:t>3/5/2025</a:t>
             </a:fld>
             <a:endParaRPr lang="en-US"/>
           </a:p>
@@ -1929,7 +1863,7 @@
           <a:p>
             <a:fld id="{78AFBD30-E760-4572-B462-738943907F1A}" type="datetimeFigureOut">
               <a:rPr lang="en-US" smtClean="0"/>
-              <a:t>3/4/2025</a:t>
+              <a:t>3/5/2025</a:t>
             </a:fld>
             <a:endParaRPr lang="en-US"/>
           </a:p>
@@ -2296,7 +2230,7 @@
           <a:p>
             <a:fld id="{78AFBD30-E760-4572-B462-738943907F1A}" type="datetimeFigureOut">
               <a:rPr lang="en-US" smtClean="0"/>
-              <a:t>3/4/2025</a:t>
+              <a:t>3/5/2025</a:t>
             </a:fld>
             <a:endParaRPr lang="en-US"/>
           </a:p>
@@ -2414,7 +2348,7 @@
           <a:p>
             <a:fld id="{78AFBD30-E760-4572-B462-738943907F1A}" type="datetimeFigureOut">
               <a:rPr lang="en-US" smtClean="0"/>
-              <a:t>3/4/2025</a:t>
+              <a:t>3/5/2025</a:t>
             </a:fld>
             <a:endParaRPr lang="en-US"/>
           </a:p>
@@ -2509,7 +2443,7 @@
           <a:p>
             <a:fld id="{78AFBD30-E760-4572-B462-738943907F1A}" type="datetimeFigureOut">
               <a:rPr lang="en-US" smtClean="0"/>
-              <a:t>3/4/2025</a:t>
+              <a:t>3/5/2025</a:t>
             </a:fld>
             <a:endParaRPr lang="en-US"/>
           </a:p>
@@ -2786,7 +2720,7 @@
           <a:p>
             <a:fld id="{78AFBD30-E760-4572-B462-738943907F1A}" type="datetimeFigureOut">
               <a:rPr lang="en-US" smtClean="0"/>
-              <a:t>3/4/2025</a:t>
+              <a:t>3/5/2025</a:t>
             </a:fld>
             <a:endParaRPr lang="en-US"/>
           </a:p>
@@ -3043,7 +2977,7 @@
           <a:p>
             <a:fld id="{78AFBD30-E760-4572-B462-738943907F1A}" type="datetimeFigureOut">
               <a:rPr lang="en-US" smtClean="0"/>
-              <a:t>3/4/2025</a:t>
+              <a:t>3/5/2025</a:t>
             </a:fld>
             <a:endParaRPr lang="en-US"/>
           </a:p>
@@ -3256,7 +3190,7 @@
           <a:p>
             <a:fld id="{78AFBD30-E760-4572-B462-738943907F1A}" type="datetimeFigureOut">
               <a:rPr lang="en-US" smtClean="0"/>
-              <a:t>3/4/2025</a:t>
+              <a:t>3/5/2025</a:t>
             </a:fld>
             <a:endParaRPr lang="en-US"/>
           </a:p>
@@ -3801,7 +3735,7 @@
             </a:r>
             <a:r>
               <a:rPr lang="en-US" sz="1200" dirty="0"/>
-              <a:t> notebook tutorials which illustrate basic usage of the software and how to execute a variety of analyses. </a:t>
+              <a:t> notebook tutorials which illustrate key features of the software and a variety of analysis options. </a:t>
             </a:r>
             <a:r>
               <a:rPr lang="en-US" sz="1200" dirty="0">
@@ -3826,15 +3760,9 @@
             </a:r>
             <a:r>
               <a:rPr lang="en-US" sz="1200" dirty="0">
-                <a:hlinkClick r:id="rId3"/>
+                <a:hlinkClick r:id="rId2"/>
               </a:rPr>
-              <a:t>WNTR</a:t>
-            </a:r>
-            <a:r>
-              <a:rPr lang="en-US" sz="1200" dirty="0">
-                <a:hlinkClick r:id="rId3"/>
-              </a:rPr>
-              <a:t> documentation</a:t>
+              <a:t>WNTR documentation</a:t>
             </a:r>
             <a:r>
               <a:rPr lang="en-US" sz="1200" dirty="0"/>
@@ -4158,7 +4086,7 @@
           <p:nvPr/>
         </p:nvPicPr>
         <p:blipFill>
-          <a:blip r:embed="rId4" cstate="print">
+          <a:blip r:embed="rId3" cstate="print">
             <a:alphaModFix amt="56000"/>
             <a:extLst>
               <a:ext uri="{28A0092B-C50C-407E-A947-70E740481C1C}">
@@ -4362,7 +4290,7 @@
           <p:nvPr/>
         </p:nvPicPr>
         <p:blipFill>
-          <a:blip r:embed="rId5">
+          <a:blip r:embed="rId4">
             <a:extLst>
               <a:ext uri="{28A0092B-C50C-407E-A947-70E740481C1C}">
                 <a14:useLocalDpi xmlns:a14="http://schemas.microsoft.com/office/drawing/2010/main" val="0"/>
@@ -4392,7 +4320,7 @@
           <p:nvPr/>
         </p:nvPicPr>
         <p:blipFill>
-          <a:blip r:embed="rId6">
+          <a:blip r:embed="rId5">
             <a:extLst>
               <a:ext uri="{28A0092B-C50C-407E-A947-70E740481C1C}">
                 <a14:useLocalDpi xmlns:a14="http://schemas.microsoft.com/office/drawing/2010/main" val="0"/>
@@ -4428,7 +4356,7 @@
           <p:nvPr/>
         </p:nvPicPr>
         <p:blipFill>
-          <a:blip r:embed="rId7">
+          <a:blip r:embed="rId6">
             <a:extLst>
               <a:ext uri="{28A0092B-C50C-407E-A947-70E740481C1C}">
                 <a14:useLocalDpi xmlns:a14="http://schemas.microsoft.com/office/drawing/2010/main" val="0"/>
@@ -4479,17 +4407,36 @@
           <a:p>
             <a:r>
               <a:rPr lang="en-US" sz="1200" b="1" dirty="0">
+                <a:hlinkClick r:id="rId7"/>
+              </a:rPr>
+              <a:t>Getting started</a:t>
+            </a:r>
+            <a:r>
+              <a:rPr lang="en-US" sz="1200" b="1" dirty="0"/>
+              <a:t>: </a:t>
+            </a:r>
+            <a:r>
+              <a:rPr lang="en-US" sz="1200" dirty="0"/>
+              <a:t>Create a water network model from an EPANET INP file, simulate hydraulics, and plot simulation results</a:t>
+            </a:r>
+          </a:p>
+          <a:p>
+            <a:endParaRPr lang="en-US" sz="1200" dirty="0"/>
+          </a:p>
+          <a:p>
+            <a:r>
+              <a:rPr lang="en-US" sz="1200" b="1" dirty="0">
                 <a:hlinkClick r:id="rId8"/>
               </a:rPr>
-              <a:t>Getting started</a:t>
-            </a:r>
-            <a:r>
-              <a:rPr lang="en-US" sz="1200" b="1"/>
+              <a:t>WNTR basics</a:t>
+            </a:r>
+            <a:r>
+              <a:rPr lang="en-US" sz="1200" b="1" dirty="0"/>
               <a:t>: </a:t>
             </a:r>
             <a:r>
-              <a:rPr lang="en-US" sz="1200"/>
-              <a:t>Create a water network model from an EPANET INP file, simulate hydraulics, and plot simulation results</a:t>
+              <a:rPr lang="en-US" sz="1200" dirty="0"/>
+              <a:t>Learn how to use additional WNTR capabilities to compute resilience metrics, define fragility curves, skeletonize water network models, and integrate GIS data</a:t>
             </a:r>
           </a:p>
           <a:p>
@@ -4500,23 +4447,6 @@
               <a:rPr lang="en-US" sz="1200" b="1" dirty="0">
                 <a:hlinkClick r:id="rId9"/>
               </a:rPr>
-              <a:t>WNTR basics</a:t>
-            </a:r>
-            <a:r>
-              <a:rPr lang="en-US" sz="1200" b="1" dirty="0"/>
-              <a:t>: </a:t>
-            </a:r>
-            <a:r>
-              <a:rPr lang="en-US" sz="1200" dirty="0"/>
-              <a:t>Learn how to use additional WNTR capabilities to compute resilience metrics, define fragility curves, skeletonize water network models, and integrate GIS data</a:t>
-            </a:r>
-          </a:p>
-          <a:p>
-            <a:endParaRPr lang="en-US" sz="1200" dirty="0"/>
-          </a:p>
-          <a:p>
-            <a:r>
-              <a:rPr lang="en-US" sz="1200" b="1" dirty="0"/>
               <a:t>Model development</a:t>
             </a:r>
             <a:r>
@@ -4585,7 +4515,7 @@
             </a:r>
             <a:r>
               <a:rPr lang="en-US" sz="1200" dirty="0"/>
-              <a:t>: Run multiple hydraulic simulations with and without fire fighting flow demand to multiple fire hydrant nodes</a:t>
+              <a:t>: Run multiple hydraulic simulations with and without fire fighting flow demand at multiple fire hydrant nodes</a:t>
             </a:r>
           </a:p>
           <a:p>
@@ -4664,7 +4594,7 @@
                 <a:ea typeface="Calibri"/>
                 <a:cs typeface="Calibri"/>
               </a:rPr>
-              <a:t>Run a chlorine decay quality analysis using advanced MSX features</a:t>
+              <a:t>Run a chlorine decay analysis using advanced MSX features</a:t>
             </a:r>
           </a:p>
         </p:txBody>
@@ -4699,7 +4629,7 @@
           <a:p>
             <a:pPr algn="ctr"/>
             <a:r>
-              <a:rPr lang="en-US" sz="1000" dirty="0">
+              <a:rPr lang="en-US" sz="1000" b="1" dirty="0">
                 <a:solidFill>
                   <a:srgbClr val="0070C0"/>
                 </a:solidFill>
@@ -4739,7 +4669,7 @@
           <a:p>
             <a:pPr algn="ctr"/>
             <a:r>
-              <a:rPr lang="en-US" sz="1000" dirty="0">
+              <a:rPr lang="en-US" sz="1000" b="1" dirty="0">
                 <a:solidFill>
                   <a:srgbClr val="0070C0"/>
                 </a:solidFill>
@@ -4813,8 +4743,8 @@
         </p:blipFill>
         <p:spPr>
           <a:xfrm>
-            <a:off x="4913522" y="6792103"/>
-            <a:ext cx="2557911" cy="1197772"/>
+            <a:off x="5005916" y="6792103"/>
+            <a:ext cx="2465517" cy="1197772"/>
           </a:xfrm>
           <a:prstGeom prst="rect">
             <a:avLst/>
@@ -4958,7 +4888,7 @@
         <p:spPr>
           <a:xfrm>
             <a:off x="5920316" y="8077200"/>
-            <a:ext cx="1566333" cy="1169551"/>
+            <a:ext cx="1566333" cy="861774"/>
           </a:xfrm>
           <a:prstGeom prst="rect">
             <a:avLst/>
@@ -4979,7 +4909,7 @@
                 <a:ea typeface="+mn-lt"/>
                 <a:cs typeface="+mn-lt"/>
               </a:rPr>
-              <a:t>Figure 3: Landslide data is used to identify potential regions of disruption which are intersected with nearby pipes to determine system damage for each scenario.</a:t>
+              <a:t>Figure 3: Landslide data is intersected with nearby pipes to determine potential system damage for each scenario.</a:t>
             </a:r>
             <a:endParaRPr lang="en-US" dirty="0"/>
           </a:p>
@@ -5019,296 +4949,6 @@
     <p:extLst>
       <p:ext uri="{BB962C8B-B14F-4D97-AF65-F5344CB8AC3E}">
         <p14:creationId xmlns:p14="http://schemas.microsoft.com/office/powerpoint/2010/main" val="561752910"/>
-      </p:ext>
-    </p:extLst>
-  </p:cSld>
-  <p:clrMapOvr>
-    <a:masterClrMapping/>
-  </p:clrMapOvr>
-  <p:extLst>
-    <p:ext uri="{6950BFC3-D8DA-4A85-94F7-54DA5524770B}">
-      <p188:commentRel xmlns:p188="http://schemas.microsoft.com/office/powerpoint/2018/8/main" r:id="rId2"/>
-    </p:ext>
-  </p:extLst>
-</p:sld>
-</file>
-
-<file path=ppt/slides/slide2.xml><?xml version="1.0" encoding="utf-8"?>
-<p:sld xmlns:a="http://schemas.openxmlformats.org/drawingml/2006/main" xmlns:r="http://schemas.openxmlformats.org/officeDocument/2006/relationships" xmlns:p="http://schemas.openxmlformats.org/presentationml/2006/main">
-  <p:cSld>
-    <p:spTree>
-      <p:nvGrpSpPr>
-        <p:cNvPr id="1" name=""/>
-        <p:cNvGrpSpPr/>
-        <p:nvPr/>
-      </p:nvGrpSpPr>
-      <p:grpSpPr>
-        <a:xfrm>
-          <a:off x="0" y="0"/>
-          <a:ext cx="0" cy="0"/>
-          <a:chOff x="0" y="0"/>
-          <a:chExt cx="0" cy="0"/>
-        </a:xfrm>
-      </p:grpSpPr>
-      <p:pic>
-        <p:nvPicPr>
-          <p:cNvPr id="5" name="Picture 4">
-            <a:extLst>
-              <a:ext uri="{FF2B5EF4-FFF2-40B4-BE49-F238E27FC236}">
-                <a16:creationId xmlns:a16="http://schemas.microsoft.com/office/drawing/2014/main" id="{AC15EF5B-3DCF-E44F-5504-171EBC095E59}"/>
-              </a:ext>
-            </a:extLst>
-          </p:cNvPr>
-          <p:cNvPicPr>
-            <a:picLocks noChangeAspect="1"/>
-          </p:cNvPicPr>
-          <p:nvPr/>
-        </p:nvPicPr>
-        <p:blipFill>
-          <a:blip r:embed="rId2"/>
-          <a:stretch>
-            <a:fillRect/>
-          </a:stretch>
-        </p:blipFill>
-        <p:spPr>
-          <a:xfrm>
-            <a:off x="1205599" y="646831"/>
-            <a:ext cx="1998947" cy="1579414"/>
-          </a:xfrm>
-          <a:prstGeom prst="rect">
-            <a:avLst/>
-          </a:prstGeom>
-          <a:ln w="12700">
-            <a:solidFill>
-              <a:schemeClr val="tx1"/>
-            </a:solidFill>
-          </a:ln>
-        </p:spPr>
-      </p:pic>
-      <p:pic>
-        <p:nvPicPr>
-          <p:cNvPr id="7" name="Picture 6">
-            <a:extLst>
-              <a:ext uri="{FF2B5EF4-FFF2-40B4-BE49-F238E27FC236}">
-                <a16:creationId xmlns:a16="http://schemas.microsoft.com/office/drawing/2014/main" id="{806AA41F-C5E7-9328-C072-820883651435}"/>
-              </a:ext>
-            </a:extLst>
-          </p:cNvPr>
-          <p:cNvPicPr>
-            <a:picLocks noChangeAspect="1"/>
-          </p:cNvPicPr>
-          <p:nvPr/>
-        </p:nvPicPr>
-        <p:blipFill>
-          <a:blip r:embed="rId3"/>
-          <a:stretch>
-            <a:fillRect/>
-          </a:stretch>
-        </p:blipFill>
-        <p:spPr>
-          <a:xfrm>
-            <a:off x="3553925" y="863657"/>
-            <a:ext cx="3083783" cy="1834623"/>
-          </a:xfrm>
-          <a:prstGeom prst="rect">
-            <a:avLst/>
-          </a:prstGeom>
-          <a:ln w="12700">
-            <a:solidFill>
-              <a:schemeClr val="tx1"/>
-            </a:solidFill>
-          </a:ln>
-        </p:spPr>
-      </p:pic>
-      <p:pic>
-        <p:nvPicPr>
-          <p:cNvPr id="8" name="Picture 7">
-            <a:extLst>
-              <a:ext uri="{FF2B5EF4-FFF2-40B4-BE49-F238E27FC236}">
-                <a16:creationId xmlns:a16="http://schemas.microsoft.com/office/drawing/2014/main" id="{02733151-A88B-08FF-0CDD-D3512E954315}"/>
-              </a:ext>
-            </a:extLst>
-          </p:cNvPr>
-          <p:cNvPicPr>
-            <a:picLocks noChangeAspect="1"/>
-          </p:cNvPicPr>
-          <p:nvPr/>
-        </p:nvPicPr>
-        <p:blipFill>
-          <a:blip r:embed="rId4"/>
-          <a:stretch>
-            <a:fillRect/>
-          </a:stretch>
-        </p:blipFill>
-        <p:spPr>
-          <a:xfrm>
-            <a:off x="1840277" y="3112135"/>
-            <a:ext cx="5601842" cy="1994309"/>
-          </a:xfrm>
-          <a:prstGeom prst="rect">
-            <a:avLst/>
-          </a:prstGeom>
-        </p:spPr>
-      </p:pic>
-      <p:pic>
-        <p:nvPicPr>
-          <p:cNvPr id="2" name="Picture 1">
-            <a:extLst>
-              <a:ext uri="{FF2B5EF4-FFF2-40B4-BE49-F238E27FC236}">
-                <a16:creationId xmlns:a16="http://schemas.microsoft.com/office/drawing/2014/main" id="{8FB34C73-9EDB-CDD1-E52A-056B451D7FD8}"/>
-              </a:ext>
-            </a:extLst>
-          </p:cNvPr>
-          <p:cNvPicPr>
-            <a:picLocks noChangeAspect="1"/>
-          </p:cNvPicPr>
-          <p:nvPr/>
-        </p:nvPicPr>
-        <p:blipFill>
-          <a:blip r:embed="rId5"/>
-          <a:stretch>
-            <a:fillRect/>
-          </a:stretch>
-        </p:blipFill>
-        <p:spPr>
-          <a:xfrm>
-            <a:off x="2204233" y="2606376"/>
-            <a:ext cx="3408036" cy="1566653"/>
-          </a:xfrm>
-          <a:prstGeom prst="rect">
-            <a:avLst/>
-          </a:prstGeom>
-          <a:ln>
-            <a:solidFill>
-              <a:schemeClr val="tx1"/>
-            </a:solidFill>
-          </a:ln>
-        </p:spPr>
-      </p:pic>
-      <p:pic>
-        <p:nvPicPr>
-          <p:cNvPr id="3" name="Picture 2">
-            <a:extLst>
-              <a:ext uri="{FF2B5EF4-FFF2-40B4-BE49-F238E27FC236}">
-                <a16:creationId xmlns:a16="http://schemas.microsoft.com/office/drawing/2014/main" id="{0D6A40BD-FBF9-3DB2-B539-2CA9C6FF5FDA}"/>
-              </a:ext>
-            </a:extLst>
-          </p:cNvPr>
-          <p:cNvPicPr>
-            <a:picLocks noChangeAspect="1"/>
-          </p:cNvPicPr>
-          <p:nvPr/>
-        </p:nvPicPr>
-        <p:blipFill>
-          <a:blip r:embed="rId6"/>
-          <a:stretch>
-            <a:fillRect/>
-          </a:stretch>
-        </p:blipFill>
-        <p:spPr>
-          <a:xfrm>
-            <a:off x="1206227" y="5105549"/>
-            <a:ext cx="2609357" cy="1623863"/>
-          </a:xfrm>
-          <a:prstGeom prst="rect">
-            <a:avLst/>
-          </a:prstGeom>
-        </p:spPr>
-      </p:pic>
-      <p:pic>
-        <p:nvPicPr>
-          <p:cNvPr id="6" name="Picture 5">
-            <a:extLst>
-              <a:ext uri="{FF2B5EF4-FFF2-40B4-BE49-F238E27FC236}">
-                <a16:creationId xmlns:a16="http://schemas.microsoft.com/office/drawing/2014/main" id="{B97A8565-EAE3-3C79-2375-C4A9C6846769}"/>
-              </a:ext>
-            </a:extLst>
-          </p:cNvPr>
-          <p:cNvPicPr>
-            <a:picLocks noChangeAspect="1"/>
-          </p:cNvPicPr>
-          <p:nvPr/>
-        </p:nvPicPr>
-        <p:blipFill>
-          <a:blip r:embed="rId7"/>
-          <a:stretch>
-            <a:fillRect/>
-          </a:stretch>
-        </p:blipFill>
-        <p:spPr>
-          <a:xfrm>
-            <a:off x="4398947" y="5609284"/>
-            <a:ext cx="1813445" cy="2236110"/>
-          </a:xfrm>
-          <a:prstGeom prst="rect">
-            <a:avLst/>
-          </a:prstGeom>
-        </p:spPr>
-      </p:pic>
-      <p:pic>
-        <p:nvPicPr>
-          <p:cNvPr id="4" name="Picture 3">
-            <a:extLst>
-              <a:ext uri="{FF2B5EF4-FFF2-40B4-BE49-F238E27FC236}">
-                <a16:creationId xmlns:a16="http://schemas.microsoft.com/office/drawing/2014/main" id="{94CD882E-9B78-724D-6074-C703B579ECFF}"/>
-              </a:ext>
-            </a:extLst>
-          </p:cNvPr>
-          <p:cNvPicPr>
-            <a:picLocks noChangeAspect="1"/>
-          </p:cNvPicPr>
-          <p:nvPr/>
-        </p:nvPicPr>
-        <p:blipFill>
-          <a:blip r:embed="rId8"/>
-          <a:stretch>
-            <a:fillRect/>
-          </a:stretch>
-        </p:blipFill>
-        <p:spPr>
-          <a:xfrm>
-            <a:off x="1470264" y="6957135"/>
-            <a:ext cx="3461702" cy="2510335"/>
-          </a:xfrm>
-          <a:prstGeom prst="rect">
-            <a:avLst/>
-          </a:prstGeom>
-        </p:spPr>
-      </p:pic>
-      <p:pic>
-        <p:nvPicPr>
-          <p:cNvPr id="9" name="Picture 8">
-            <a:extLst>
-              <a:ext uri="{FF2B5EF4-FFF2-40B4-BE49-F238E27FC236}">
-                <a16:creationId xmlns:a16="http://schemas.microsoft.com/office/drawing/2014/main" id="{EA55E7EA-CE9B-FFCB-3B7B-E7A37908DFAE}"/>
-              </a:ext>
-            </a:extLst>
-          </p:cNvPr>
-          <p:cNvPicPr>
-            <a:picLocks noChangeAspect="1"/>
-          </p:cNvPicPr>
-          <p:nvPr/>
-        </p:nvPicPr>
-        <p:blipFill>
-          <a:blip r:embed="rId9"/>
-          <a:stretch>
-            <a:fillRect/>
-          </a:stretch>
-        </p:blipFill>
-        <p:spPr>
-          <a:xfrm>
-            <a:off x="2375630" y="4138612"/>
-            <a:ext cx="3018336" cy="1781175"/>
-          </a:xfrm>
-          <a:prstGeom prst="rect">
-            <a:avLst/>
-          </a:prstGeom>
-        </p:spPr>
-      </p:pic>
-    </p:spTree>
-    <p:extLst>
-      <p:ext uri="{BB962C8B-B14F-4D97-AF65-F5344CB8AC3E}">
-        <p14:creationId xmlns:p14="http://schemas.microsoft.com/office/powerpoint/2010/main" val="2651135960"/>
       </p:ext>
     </p:extLst>
   </p:cSld>
@@ -5580,19 +5220,28 @@
 </file>
 
 <file path=customXml/item1.xml><?xml version="1.0" encoding="utf-8"?>
-<p:properties xmlns:p="http://schemas.microsoft.com/office/2006/metadata/properties" xmlns:xsi="http://www.w3.org/2001/XMLSchema-instance" xmlns:pc="http://schemas.microsoft.com/office/infopath/2007/PartnerControls">
-  <documentManagement/>
-</p:properties>
-</file>
-
-<file path=customXml/item2.xml><?xml version="1.0" encoding="utf-8"?>
 <EsriMapsInfo xmlns="ESRI.ArcGIS.Mapping.OfficeIntegration.PowerPointInfo">
   <Version>Version1</Version>
   <RequiresSignIn>False</RequiresSignIn>
 </EsriMapsInfo>
 </file>
 
+<file path=customXml/item2.xml><?xml version="1.0" encoding="utf-8"?>
+<p:properties xmlns:p="http://schemas.microsoft.com/office/2006/metadata/properties" xmlns:xsi="http://www.w3.org/2001/XMLSchema-instance" xmlns:pc="http://schemas.microsoft.com/office/infopath/2007/PartnerControls">
+  <documentManagement/>
+</p:properties>
+</file>
+
 <file path=customXml/item3.xml><?xml version="1.0" encoding="utf-8"?>
+<?mso-contentType ?>
+<FormTemplates xmlns="http://schemas.microsoft.com/sharepoint/v3/contenttype/forms">
+  <Display>DocumentLibraryForm</Display>
+  <Edit>DocumentLibraryForm</Edit>
+  <New>DocumentLibraryForm</New>
+</FormTemplates>
+</file>
+
+<file path=customXml/item4.xml><?xml version="1.0" encoding="utf-8"?>
 <ct:contentTypeSchema xmlns:ct="http://schemas.microsoft.com/office/2006/metadata/contentType" xmlns:ma="http://schemas.microsoft.com/office/2006/metadata/properties/metaAttributes" ct:_="" ma:_="" ma:contentTypeName="Document" ma:contentTypeID="0x010100AC28686FBD4338489595DD7413329EE0" ma:contentTypeVersion="10" ma:contentTypeDescription="Create a new document." ma:contentTypeScope="" ma:versionID="efe20889d221db7351fa9f9f793f0500">
   <xsd:schema xmlns:xsd="http://www.w3.org/2001/XMLSchema" xmlns:xs="http://www.w3.org/2001/XMLSchema" xmlns:p="http://schemas.microsoft.com/office/2006/metadata/properties" xmlns:ns2="d50414f6-37ad-4088-828c-17732dfcb590" xmlns:ns3="b6537b32-d7a3-445d-a13e-f5ee99b6d44a" targetNamespace="http://schemas.microsoft.com/office/2006/metadata/properties" ma:root="true" ma:fieldsID="b74ad9af483442c1d01e11d21c2dc391" ns2:_="" ns3:_="">
     <xsd:import namespace="d50414f6-37ad-4088-828c-17732dfcb590"/>
@@ -5795,16 +5444,15 @@
 </ct:contentTypeSchema>
 </file>
 
-<file path=customXml/item4.xml><?xml version="1.0" encoding="utf-8"?>
-<?mso-contentType ?>
-<FormTemplates xmlns="http://schemas.microsoft.com/sharepoint/v3/contenttype/forms">
-  <Display>DocumentLibraryForm</Display>
-  <Edit>DocumentLibraryForm</Edit>
-  <New>DocumentLibraryForm</New>
-</FormTemplates>
+<file path=customXml/itemProps1.xml><?xml version="1.0" encoding="utf-8"?>
+<ds:datastoreItem xmlns:ds="http://schemas.openxmlformats.org/officeDocument/2006/customXml" ds:itemID="{F820E9AF-8DED-4D17-80AC-2052DB1506D3}">
+  <ds:schemaRefs>
+    <ds:schemaRef ds:uri="ESRI.ArcGIS.Mapping.OfficeIntegration.PowerPointInfo"/>
+  </ds:schemaRefs>
+</ds:datastoreItem>
 </file>
 
-<file path=customXml/itemProps1.xml><?xml version="1.0" encoding="utf-8"?>
+<file path=customXml/itemProps2.xml><?xml version="1.0" encoding="utf-8"?>
 <ds:datastoreItem xmlns:ds="http://schemas.openxmlformats.org/officeDocument/2006/customXml" ds:itemID="{706D2F57-9D23-4F12-9393-CCE686D76C5F}">
   <ds:schemaRefs>
     <ds:schemaRef ds:uri="http://schemas.microsoft.com/office/2006/metadata/properties"/>
@@ -5813,15 +5461,15 @@
 </ds:datastoreItem>
 </file>
 
-<file path=customXml/itemProps2.xml><?xml version="1.0" encoding="utf-8"?>
-<ds:datastoreItem xmlns:ds="http://schemas.openxmlformats.org/officeDocument/2006/customXml" ds:itemID="{F820E9AF-8DED-4D17-80AC-2052DB1506D3}">
+<file path=customXml/itemProps3.xml><?xml version="1.0" encoding="utf-8"?>
+<ds:datastoreItem xmlns:ds="http://schemas.openxmlformats.org/officeDocument/2006/customXml" ds:itemID="{50F7AA84-C36D-491A-A036-6A40FCF76D47}">
   <ds:schemaRefs>
-    <ds:schemaRef ds:uri="ESRI.ArcGIS.Mapping.OfficeIntegration.PowerPointInfo"/>
+    <ds:schemaRef ds:uri="http://schemas.microsoft.com/sharepoint/v3/contenttype/forms"/>
   </ds:schemaRefs>
 </ds:datastoreItem>
 </file>
 
-<file path=customXml/itemProps3.xml><?xml version="1.0" encoding="utf-8"?>
+<file path=customXml/itemProps4.xml><?xml version="1.0" encoding="utf-8"?>
 <ds:datastoreItem xmlns:ds="http://schemas.openxmlformats.org/officeDocument/2006/customXml" ds:itemID="{4825FCDC-2F9E-4CAB-869D-6056AB2B276C}">
   <ds:schemaRefs>
     <ds:schemaRef ds:uri="http://schemas.microsoft.com/office/2006/metadata/contentType"/>
@@ -5838,12 +5486,4 @@
     <ds:schemaRef ds:uri="http://schemas.microsoft.com/internal/obd"/>
   </ds:schemaRefs>
 </ds:datastoreItem>
-</file>
-
-<file path=customXml/itemProps4.xml><?xml version="1.0" encoding="utf-8"?>
-<ds:datastoreItem xmlns:ds="http://schemas.openxmlformats.org/officeDocument/2006/customXml" ds:itemID="{50F7AA84-C36D-491A-A036-6A40FCF76D47}">
-  <ds:schemaRefs>
-    <ds:schemaRef ds:uri="http://schemas.microsoft.com/sharepoint/v3/contenttype/forms"/>
-  </ds:schemaRefs>
-</ds:datastoreItem>
 </file>